--- a/prents_ch-alis.pptx
+++ b/prents_ch-alis.pptx
@@ -7,6 +7,7 @@
   <p:sldIdLst>
     <p:sldId id="267" r:id="rId2"/>
     <p:sldId id="268" r:id="rId3"/>
+    <p:sldId id="269" r:id="rId4"/>
   </p:sldIdLst>
   <p:sldSz cx="12192000" cy="12599988"/>
   <p:notesSz cx="7010400" cy="9296400"/>
@@ -303,7 +304,7 @@
           <a:p>
             <a:fld id="{DAD4AEBD-E175-AE42-B084-2E4026DB8423}" type="datetimeFigureOut">
               <a:rPr lang="de-DE" smtClean="0"/>
-              <a:t>29.10.24</a:t>
+              <a:t>20.11.24</a:t>
             </a:fld>
             <a:endParaRPr lang="de-DE" dirty="0"/>
           </a:p>
@@ -471,7 +472,7 @@
           <a:p>
             <a:fld id="{DAD4AEBD-E175-AE42-B084-2E4026DB8423}" type="datetimeFigureOut">
               <a:rPr lang="de-DE" smtClean="0"/>
-              <a:t>29.10.24</a:t>
+              <a:t>20.11.24</a:t>
             </a:fld>
             <a:endParaRPr lang="de-DE" dirty="0"/>
           </a:p>
@@ -649,7 +650,7 @@
           <a:p>
             <a:fld id="{DAD4AEBD-E175-AE42-B084-2E4026DB8423}" type="datetimeFigureOut">
               <a:rPr lang="de-DE" smtClean="0"/>
-              <a:t>29.10.24</a:t>
+              <a:t>20.11.24</a:t>
             </a:fld>
             <a:endParaRPr lang="de-DE" dirty="0"/>
           </a:p>
@@ -817,7 +818,7 @@
           <a:p>
             <a:fld id="{DAD4AEBD-E175-AE42-B084-2E4026DB8423}" type="datetimeFigureOut">
               <a:rPr lang="de-DE" smtClean="0"/>
-              <a:t>29.10.24</a:t>
+              <a:t>20.11.24</a:t>
             </a:fld>
             <a:endParaRPr lang="de-DE" dirty="0"/>
           </a:p>
@@ -1062,7 +1063,7 @@
           <a:p>
             <a:fld id="{DAD4AEBD-E175-AE42-B084-2E4026DB8423}" type="datetimeFigureOut">
               <a:rPr lang="de-DE" smtClean="0"/>
-              <a:t>29.10.24</a:t>
+              <a:t>20.11.24</a:t>
             </a:fld>
             <a:endParaRPr lang="de-DE" dirty="0"/>
           </a:p>
@@ -1347,7 +1348,7 @@
           <a:p>
             <a:fld id="{DAD4AEBD-E175-AE42-B084-2E4026DB8423}" type="datetimeFigureOut">
               <a:rPr lang="de-DE" smtClean="0"/>
-              <a:t>29.10.24</a:t>
+              <a:t>20.11.24</a:t>
             </a:fld>
             <a:endParaRPr lang="de-DE" dirty="0"/>
           </a:p>
@@ -1766,7 +1767,7 @@
           <a:p>
             <a:fld id="{DAD4AEBD-E175-AE42-B084-2E4026DB8423}" type="datetimeFigureOut">
               <a:rPr lang="de-DE" smtClean="0"/>
-              <a:t>29.10.24</a:t>
+              <a:t>20.11.24</a:t>
             </a:fld>
             <a:endParaRPr lang="de-DE" dirty="0"/>
           </a:p>
@@ -1883,7 +1884,7 @@
           <a:p>
             <a:fld id="{DAD4AEBD-E175-AE42-B084-2E4026DB8423}" type="datetimeFigureOut">
               <a:rPr lang="de-DE" smtClean="0"/>
-              <a:t>29.10.24</a:t>
+              <a:t>20.11.24</a:t>
             </a:fld>
             <a:endParaRPr lang="de-DE" dirty="0"/>
           </a:p>
@@ -1978,7 +1979,7 @@
           <a:p>
             <a:fld id="{DAD4AEBD-E175-AE42-B084-2E4026DB8423}" type="datetimeFigureOut">
               <a:rPr lang="de-DE" smtClean="0"/>
-              <a:t>29.10.24</a:t>
+              <a:t>20.11.24</a:t>
             </a:fld>
             <a:endParaRPr lang="de-DE" dirty="0"/>
           </a:p>
@@ -2253,7 +2254,7 @@
           <a:p>
             <a:fld id="{DAD4AEBD-E175-AE42-B084-2E4026DB8423}" type="datetimeFigureOut">
               <a:rPr lang="de-DE" smtClean="0"/>
-              <a:t>29.10.24</a:t>
+              <a:t>20.11.24</a:t>
             </a:fld>
             <a:endParaRPr lang="de-DE" dirty="0"/>
           </a:p>
@@ -2505,7 +2506,7 @@
           <a:p>
             <a:fld id="{DAD4AEBD-E175-AE42-B084-2E4026DB8423}" type="datetimeFigureOut">
               <a:rPr lang="de-DE" smtClean="0"/>
-              <a:t>29.10.24</a:t>
+              <a:t>20.11.24</a:t>
             </a:fld>
             <a:endParaRPr lang="de-DE" dirty="0"/>
           </a:p>
@@ -2716,7 +2717,7 @@
           <a:p>
             <a:fld id="{DAD4AEBD-E175-AE42-B084-2E4026DB8423}" type="datetimeFigureOut">
               <a:rPr lang="de-DE" smtClean="0"/>
-              <a:t>29.10.24</a:t>
+              <a:t>20.11.24</a:t>
             </a:fld>
             <a:endParaRPr lang="de-DE" dirty="0"/>
           </a:p>
@@ -5831,8 +5832,8 @@
         </p:nvSpPr>
         <p:spPr bwMode="auto">
           <a:xfrm flipV="1">
-            <a:off x="5784128" y="2925102"/>
-            <a:ext cx="5034418" cy="6984000"/>
+            <a:off x="5784128" y="2925100"/>
+            <a:ext cx="5034418" cy="7826474"/>
           </a:xfrm>
           <a:prstGeom prst="foldedCorner">
             <a:avLst>
@@ -6328,7 +6329,7 @@
         <p:spPr bwMode="auto">
           <a:xfrm flipV="1">
             <a:off x="470911" y="2925099"/>
-            <a:ext cx="4999899" cy="6928906"/>
+            <a:ext cx="4999899" cy="7826474"/>
           </a:xfrm>
           <a:prstGeom prst="foldedCorner">
             <a:avLst>
@@ -6520,7 +6521,7 @@
         <p:spPr bwMode="auto">
           <a:xfrm>
             <a:off x="723125" y="3808187"/>
-            <a:ext cx="4412559" cy="5724467"/>
+            <a:ext cx="4412559" cy="6661665"/>
           </a:xfrm>
           <a:prstGeom prst="rect">
             <a:avLst/>
@@ -6664,8 +6665,8 @@
         </p:nvSpPr>
         <p:spPr bwMode="auto">
           <a:xfrm>
-            <a:off x="894420" y="4531121"/>
-            <a:ext cx="4034285" cy="1044000"/>
+            <a:off x="894420" y="4531122"/>
+            <a:ext cx="3907133" cy="754053"/>
           </a:xfrm>
           <a:prstGeom prst="rect">
             <a:avLst/>
@@ -6823,8 +6824,8 @@
         </p:nvSpPr>
         <p:spPr bwMode="auto">
           <a:xfrm>
-            <a:off x="894418" y="5871580"/>
-            <a:ext cx="4034285" cy="3166879"/>
+            <a:off x="894419" y="5608106"/>
+            <a:ext cx="3907132" cy="4376556"/>
           </a:xfrm>
           <a:prstGeom prst="rect">
             <a:avLst/>
@@ -6903,7 +6904,7 @@
         </p:nvSpPr>
         <p:spPr bwMode="auto">
           <a:xfrm>
-            <a:off x="1031562" y="6822283"/>
+            <a:off x="1031562" y="6527813"/>
             <a:ext cx="3566962" cy="754053"/>
           </a:xfrm>
           <a:prstGeom prst="rect">
@@ -7144,7 +7145,7 @@
         <p:spPr>
           <a:xfrm>
             <a:off x="1072887" y="4875386"/>
-            <a:ext cx="3046087" cy="523220"/>
+            <a:ext cx="3046087" cy="307777"/>
           </a:xfrm>
           <a:prstGeom prst="rect">
             <a:avLst/>
@@ -7170,22 +7171,6 @@
                 <a:latin typeface="Times New Roman" pitchFamily="-107" charset="0"/>
               </a:rPr>
               <a:t>Fields like DiagCode, DiagType</a:t>
-            </a:r>
-          </a:p>
-          <a:p>
-            <a:pPr marL="285750" indent="-285750">
-              <a:buFont typeface="Arial"/>
-              <a:buChar char="•"/>
-              <a:defRPr/>
-            </a:pPr>
-            <a:r>
-              <a:rPr lang="de-DE" sz="1400" i="1" dirty="0">
-                <a:solidFill>
-                  <a:srgbClr val="000000"/>
-                </a:solidFill>
-                <a:latin typeface="Times New Roman" pitchFamily="-107" charset="0"/>
-              </a:rPr>
-              <a:t>New OnsetDateTime, laterality</a:t>
             </a:r>
           </a:p>
         </p:txBody>
@@ -7204,7 +7189,7 @@
         </p:nvSpPr>
         <p:spPr>
           <a:xfrm>
-            <a:off x="1072885" y="6188939"/>
+            <a:off x="1072885" y="5925465"/>
             <a:ext cx="3159640" cy="523220"/>
           </a:xfrm>
           <a:prstGeom prst="rect">
@@ -7230,8 +7215,23 @@
                 </a:solidFill>
                 <a:latin typeface="Times New Roman" pitchFamily="-107" charset="0"/>
               </a:rPr>
-              <a:t>Fields like ServiceDate, ServiceItem</a:t>
-            </a:r>
+              <a:t>Fields like ServiceDate, </a:t>
+            </a:r>
+            <a:r>
+              <a:rPr lang="de-DE" sz="1400" i="1" dirty="0" err="1">
+                <a:solidFill>
+                  <a:srgbClr val="000000"/>
+                </a:solidFill>
+                <a:latin typeface="Times New Roman" pitchFamily="-107" charset="0"/>
+              </a:rPr>
+              <a:t>ServiceItem</a:t>
+            </a:r>
+            <a:endParaRPr lang="de-DE" sz="1400" i="1" dirty="0">
+              <a:solidFill>
+                <a:srgbClr val="000000"/>
+              </a:solidFill>
+              <a:latin typeface="Times New Roman" pitchFamily="-107" charset="0"/>
+            </a:endParaRPr>
           </a:p>
           <a:p>
             <a:pPr marL="285750" indent="-285750">
@@ -7246,8 +7246,41 @@
                 </a:solidFill>
                 <a:latin typeface="Times New Roman" pitchFamily="-107" charset="0"/>
               </a:rPr>
-              <a:t>New: PatientContactID, costweight</a:t>
-            </a:r>
+              <a:t>New: </a:t>
+            </a:r>
+            <a:r>
+              <a:rPr lang="de-DE" sz="1400" i="1" dirty="0" err="1">
+                <a:solidFill>
+                  <a:srgbClr val="000000"/>
+                </a:solidFill>
+                <a:latin typeface="Times New Roman" pitchFamily="-107" charset="0"/>
+              </a:rPr>
+              <a:t>PatientContactID</a:t>
+            </a:r>
+            <a:r>
+              <a:rPr lang="de-DE" sz="1400" i="1" dirty="0">
+                <a:solidFill>
+                  <a:srgbClr val="000000"/>
+                </a:solidFill>
+                <a:latin typeface="Times New Roman" pitchFamily="-107" charset="0"/>
+              </a:rPr>
+              <a:t>, </a:t>
+            </a:r>
+            <a:r>
+              <a:rPr lang="de-DE" sz="1400" i="1" dirty="0" err="1">
+                <a:solidFill>
+                  <a:srgbClr val="000000"/>
+                </a:solidFill>
+                <a:latin typeface="Times New Roman" pitchFamily="-107" charset="0"/>
+              </a:rPr>
+              <a:t>costweight</a:t>
+            </a:r>
+            <a:endParaRPr lang="de-DE" sz="1400" i="1" dirty="0">
+              <a:solidFill>
+                <a:srgbClr val="000000"/>
+              </a:solidFill>
+              <a:latin typeface="Times New Roman" pitchFamily="-107" charset="0"/>
+            </a:endParaRPr>
           </a:p>
         </p:txBody>
       </p:sp>
@@ -7265,7 +7298,7 @@
         </p:nvSpPr>
         <p:spPr>
           <a:xfrm>
-            <a:off x="1161029" y="7707383"/>
+            <a:off x="1161029" y="6870474"/>
             <a:ext cx="3159640" cy="307777"/>
           </a:xfrm>
           <a:prstGeom prst="rect">
@@ -7312,7 +7345,7 @@
         </p:nvSpPr>
         <p:spPr bwMode="auto">
           <a:xfrm>
-            <a:off x="1031563" y="7675970"/>
+            <a:off x="1031563" y="7381500"/>
             <a:ext cx="3566962" cy="754053"/>
           </a:xfrm>
           <a:prstGeom prst="rect">
@@ -7409,7 +7442,7 @@
         </p:nvSpPr>
         <p:spPr>
           <a:xfrm>
-            <a:off x="1187654" y="8574140"/>
+            <a:off x="1187654" y="7737231"/>
             <a:ext cx="3159640" cy="307777"/>
           </a:xfrm>
           <a:prstGeom prst="rect">
@@ -7457,7 +7490,7 @@
         <p:spPr bwMode="auto">
           <a:xfrm>
             <a:off x="5985068" y="5191485"/>
-            <a:ext cx="4536000" cy="4536000"/>
+            <a:ext cx="4603503" cy="5278368"/>
           </a:xfrm>
           <a:prstGeom prst="rect">
             <a:avLst/>
@@ -7788,7 +7821,7 @@
         <p:spPr bwMode="auto">
           <a:xfrm>
             <a:off x="6112222" y="5576882"/>
-            <a:ext cx="3959800" cy="3888000"/>
+            <a:ext cx="3959800" cy="4539704"/>
           </a:xfrm>
           <a:prstGeom prst="rect">
             <a:avLst/>
@@ -8268,7 +8301,7 @@
         </p:nvSpPr>
         <p:spPr bwMode="auto">
           <a:xfrm>
-            <a:off x="6251522" y="7686980"/>
+            <a:off x="6251522" y="8523886"/>
             <a:ext cx="3623024" cy="800219"/>
           </a:xfrm>
           <a:prstGeom prst="rect">
@@ -8365,7 +8398,7 @@
         </p:nvSpPr>
         <p:spPr>
           <a:xfrm>
-            <a:off x="6377491" y="8579180"/>
+            <a:off x="6377491" y="9323101"/>
             <a:ext cx="3046087" cy="738664"/>
           </a:xfrm>
           <a:prstGeom prst="rect">
@@ -8586,7 +8619,7 @@
         </p:nvSpPr>
         <p:spPr>
           <a:xfrm>
-            <a:off x="6537753" y="7938079"/>
+            <a:off x="6537753" y="8774985"/>
             <a:ext cx="3240111" cy="523220"/>
           </a:xfrm>
           <a:prstGeom prst="rect">
@@ -8633,10 +8666,2011 @@
           </a:p>
         </p:txBody>
       </p:sp>
+      <p:sp>
+        <p:nvSpPr>
+          <p:cNvPr id="2" name="Text Box 10">
+            <a:extLst>
+              <a:ext uri="{FF2B5EF4-FFF2-40B4-BE49-F238E27FC236}">
+                <a16:creationId xmlns:a16="http://schemas.microsoft.com/office/drawing/2014/main" id="{22A4616F-92A0-6604-4749-310780646283}"/>
+              </a:ext>
+            </a:extLst>
+          </p:cNvPr>
+          <p:cNvSpPr txBox="1">
+            <a:spLocks noChangeArrowheads="1"/>
+          </p:cNvSpPr>
+          <p:nvPr/>
+        </p:nvSpPr>
+        <p:spPr bwMode="auto">
+          <a:xfrm>
+            <a:off x="1034206" y="9115927"/>
+            <a:ext cx="3576073" cy="754053"/>
+          </a:xfrm>
+          <a:prstGeom prst="rect">
+            <a:avLst/>
+          </a:prstGeom>
+          <a:gradFill>
+            <a:gsLst>
+              <a:gs pos="0">
+                <a:schemeClr val="accent4"/>
+              </a:gs>
+              <a:gs pos="99000">
+                <a:srgbClr val="E5DFEB"/>
+              </a:gs>
+              <a:gs pos="100000">
+                <a:schemeClr val="accent4">
+                  <a:lumMod val="20000"/>
+                  <a:lumOff val="80000"/>
+                </a:schemeClr>
+              </a:gs>
+            </a:gsLst>
+          </a:gradFill>
+          <a:ln>
+            <a:headEnd/>
+            <a:tailEnd/>
+          </a:ln>
+        </p:spPr>
+        <p:style>
+          <a:lnRef idx="0">
+            <a:schemeClr val="accent2"/>
+          </a:lnRef>
+          <a:fillRef idx="3">
+            <a:schemeClr val="accent2"/>
+          </a:fillRef>
+          <a:effectRef idx="3">
+            <a:schemeClr val="accent2"/>
+          </a:effectRef>
+          <a:fontRef idx="minor">
+            <a:schemeClr val="lt1"/>
+          </a:fontRef>
+        </p:style>
+        <p:txBody>
+          <a:bodyPr wrap="square">
+            <a:spAutoFit/>
+          </a:bodyPr>
+          <a:lstStyle/>
+          <a:p>
+            <a:pPr>
+              <a:spcBef>
+                <a:spcPts val="300"/>
+              </a:spcBef>
+              <a:spcAft>
+                <a:spcPts val="300"/>
+              </a:spcAft>
+              <a:defRPr/>
+            </a:pPr>
+            <a:r>
+              <a:rPr lang="fr-FR" sz="1600" b="1" noProof="1">
+                <a:solidFill>
+                  <a:schemeClr val="tx1"/>
+                </a:solidFill>
+              </a:rPr>
+              <a:t>Procedure </a:t>
+            </a:r>
+            <a:r>
+              <a:rPr lang="fr-FR" sz="1600" noProof="1">
+                <a:solidFill>
+                  <a:schemeClr val="tx1"/>
+                </a:solidFill>
+              </a:rPr>
+              <a:t>(0..*)</a:t>
+            </a:r>
+            <a:endParaRPr lang="fr-FR" sz="1600" b="1" noProof="1">
+              <a:solidFill>
+                <a:schemeClr val="tx1"/>
+              </a:solidFill>
+            </a:endParaRPr>
+          </a:p>
+          <a:p>
+            <a:pPr>
+              <a:spcBef>
+                <a:spcPts val="300"/>
+              </a:spcBef>
+              <a:spcAft>
+                <a:spcPts val="300"/>
+              </a:spcAft>
+              <a:defRPr/>
+            </a:pPr>
+            <a:endParaRPr lang="fr-FR" sz="1600" noProof="1">
+              <a:solidFill>
+                <a:schemeClr val="accent4"/>
+              </a:solidFill>
+            </a:endParaRPr>
+          </a:p>
+          <a:p>
+            <a:pPr>
+              <a:spcBef>
+                <a:spcPts val="300"/>
+              </a:spcBef>
+              <a:spcAft>
+                <a:spcPts val="300"/>
+              </a:spcAft>
+              <a:defRPr/>
+            </a:pPr>
+            <a:endParaRPr lang="fr-FR" sz="100" noProof="1">
+              <a:solidFill>
+                <a:schemeClr val="tx1"/>
+              </a:solidFill>
+            </a:endParaRPr>
+          </a:p>
+        </p:txBody>
+      </p:sp>
+      <p:sp>
+        <p:nvSpPr>
+          <p:cNvPr id="3" name="Textfeld 16">
+            <a:extLst>
+              <a:ext uri="{FF2B5EF4-FFF2-40B4-BE49-F238E27FC236}">
+                <a16:creationId xmlns:a16="http://schemas.microsoft.com/office/drawing/2014/main" id="{A22DE26D-6F80-F881-7159-B485E892447C}"/>
+              </a:ext>
+            </a:extLst>
+          </p:cNvPr>
+          <p:cNvSpPr txBox="1"/>
+          <p:nvPr/>
+        </p:nvSpPr>
+        <p:spPr>
+          <a:xfrm>
+            <a:off x="1112974" y="9433149"/>
+            <a:ext cx="3159640" cy="307777"/>
+          </a:xfrm>
+          <a:prstGeom prst="rect">
+            <a:avLst/>
+          </a:prstGeom>
+          <a:noFill/>
+        </p:spPr>
+        <p:txBody>
+          <a:bodyPr wrap="square" rtlCol="0">
+            <a:spAutoFit/>
+          </a:bodyPr>
+          <a:lstStyle/>
+          <a:p>
+            <a:pPr marL="285750" indent="-285750">
+              <a:buFont typeface="Arial"/>
+              <a:buChar char="•"/>
+              <a:defRPr/>
+            </a:pPr>
+            <a:r>
+              <a:rPr lang="de-DE" sz="1400" i="1" dirty="0">
+                <a:solidFill>
+                  <a:srgbClr val="000000"/>
+                </a:solidFill>
+                <a:latin typeface="Times New Roman" pitchFamily="-107" charset="0"/>
+              </a:rPr>
+              <a:t>Fields like code, performed</a:t>
+            </a:r>
+          </a:p>
+        </p:txBody>
+      </p:sp>
+      <p:sp>
+        <p:nvSpPr>
+          <p:cNvPr id="7" name="Text Box 10">
+            <a:extLst>
+              <a:ext uri="{FF2B5EF4-FFF2-40B4-BE49-F238E27FC236}">
+                <a16:creationId xmlns:a16="http://schemas.microsoft.com/office/drawing/2014/main" id="{7EC40010-A9DC-1903-F610-803E2729BD84}"/>
+              </a:ext>
+            </a:extLst>
+          </p:cNvPr>
+          <p:cNvSpPr txBox="1">
+            <a:spLocks noChangeArrowheads="1"/>
+          </p:cNvSpPr>
+          <p:nvPr/>
+        </p:nvSpPr>
+        <p:spPr bwMode="auto">
+          <a:xfrm>
+            <a:off x="6251523" y="7642411"/>
+            <a:ext cx="3623024" cy="754053"/>
+          </a:xfrm>
+          <a:prstGeom prst="rect">
+            <a:avLst/>
+          </a:prstGeom>
+          <a:gradFill>
+            <a:gsLst>
+              <a:gs pos="0">
+                <a:schemeClr val="accent4"/>
+              </a:gs>
+              <a:gs pos="99000">
+                <a:srgbClr val="E5DFEB"/>
+              </a:gs>
+              <a:gs pos="100000">
+                <a:schemeClr val="accent4">
+                  <a:lumMod val="20000"/>
+                  <a:lumOff val="80000"/>
+                </a:schemeClr>
+              </a:gs>
+            </a:gsLst>
+          </a:gradFill>
+          <a:ln>
+            <a:headEnd/>
+            <a:tailEnd/>
+          </a:ln>
+        </p:spPr>
+        <p:style>
+          <a:lnRef idx="0">
+            <a:schemeClr val="accent2"/>
+          </a:lnRef>
+          <a:fillRef idx="3">
+            <a:schemeClr val="accent2"/>
+          </a:fillRef>
+          <a:effectRef idx="3">
+            <a:schemeClr val="accent2"/>
+          </a:effectRef>
+          <a:fontRef idx="minor">
+            <a:schemeClr val="lt1"/>
+          </a:fontRef>
+        </p:style>
+        <p:txBody>
+          <a:bodyPr wrap="square">
+            <a:spAutoFit/>
+          </a:bodyPr>
+          <a:lstStyle/>
+          <a:p>
+            <a:pPr>
+              <a:spcBef>
+                <a:spcPts val="300"/>
+              </a:spcBef>
+              <a:spcAft>
+                <a:spcPts val="300"/>
+              </a:spcAft>
+              <a:defRPr/>
+            </a:pPr>
+            <a:r>
+              <a:rPr lang="fr-FR" sz="1600" noProof="1">
+                <a:solidFill>
+                  <a:schemeClr val="tx1"/>
+                </a:solidFill>
+              </a:rPr>
+              <a:t>Procedure (contained)</a:t>
+            </a:r>
+          </a:p>
+          <a:p>
+            <a:pPr>
+              <a:spcBef>
+                <a:spcPts val="300"/>
+              </a:spcBef>
+              <a:spcAft>
+                <a:spcPts val="300"/>
+              </a:spcAft>
+              <a:defRPr/>
+            </a:pPr>
+            <a:endParaRPr lang="fr-FR" sz="1600" noProof="1">
+              <a:solidFill>
+                <a:schemeClr val="accent4"/>
+              </a:solidFill>
+            </a:endParaRPr>
+          </a:p>
+          <a:p>
+            <a:pPr>
+              <a:spcBef>
+                <a:spcPts val="300"/>
+              </a:spcBef>
+              <a:spcAft>
+                <a:spcPts val="300"/>
+              </a:spcAft>
+              <a:defRPr/>
+            </a:pPr>
+            <a:endParaRPr lang="fr-FR" sz="100" noProof="1">
+              <a:solidFill>
+                <a:schemeClr val="tx1"/>
+              </a:solidFill>
+            </a:endParaRPr>
+          </a:p>
+        </p:txBody>
+      </p:sp>
+      <p:sp>
+        <p:nvSpPr>
+          <p:cNvPr id="8" name="Textfeld 16">
+            <a:extLst>
+              <a:ext uri="{FF2B5EF4-FFF2-40B4-BE49-F238E27FC236}">
+                <a16:creationId xmlns:a16="http://schemas.microsoft.com/office/drawing/2014/main" id="{10847983-DF77-AC29-C3D9-0CF059C2F91D}"/>
+              </a:ext>
+            </a:extLst>
+          </p:cNvPr>
+          <p:cNvSpPr txBox="1"/>
+          <p:nvPr/>
+        </p:nvSpPr>
+        <p:spPr>
+          <a:xfrm>
+            <a:off x="6537752" y="7930806"/>
+            <a:ext cx="3159640" cy="307777"/>
+          </a:xfrm>
+          <a:prstGeom prst="rect">
+            <a:avLst/>
+          </a:prstGeom>
+          <a:noFill/>
+        </p:spPr>
+        <p:txBody>
+          <a:bodyPr wrap="square" rtlCol="0">
+            <a:spAutoFit/>
+          </a:bodyPr>
+          <a:lstStyle/>
+          <a:p>
+            <a:pPr marL="285750" indent="-285750">
+              <a:buFont typeface="Arial"/>
+              <a:buChar char="•"/>
+              <a:defRPr/>
+            </a:pPr>
+            <a:r>
+              <a:rPr lang="de-DE" sz="1400" i="1" dirty="0">
+                <a:solidFill>
+                  <a:srgbClr val="000000"/>
+                </a:solidFill>
+                <a:latin typeface="Times New Roman" pitchFamily="-107" charset="0"/>
+              </a:rPr>
+              <a:t>Fields like code, performed</a:t>
+            </a:r>
+          </a:p>
+        </p:txBody>
+      </p:sp>
+      <p:sp>
+        <p:nvSpPr>
+          <p:cNvPr id="6" name="Text Box 10">
+            <a:extLst>
+              <a:ext uri="{FF2B5EF4-FFF2-40B4-BE49-F238E27FC236}">
+                <a16:creationId xmlns:a16="http://schemas.microsoft.com/office/drawing/2014/main" id="{F3167F7D-6100-37EE-0844-3FF71C750109}"/>
+              </a:ext>
+            </a:extLst>
+          </p:cNvPr>
+          <p:cNvSpPr txBox="1">
+            <a:spLocks noChangeArrowheads="1"/>
+          </p:cNvSpPr>
+          <p:nvPr/>
+        </p:nvSpPr>
+        <p:spPr bwMode="auto">
+          <a:xfrm>
+            <a:off x="1031563" y="8262240"/>
+            <a:ext cx="3576074" cy="754053"/>
+          </a:xfrm>
+          <a:prstGeom prst="rect">
+            <a:avLst/>
+          </a:prstGeom>
+          <a:ln>
+            <a:headEnd/>
+            <a:tailEnd/>
+          </a:ln>
+        </p:spPr>
+        <p:style>
+          <a:lnRef idx="0">
+            <a:schemeClr val="accent2"/>
+          </a:lnRef>
+          <a:fillRef idx="3">
+            <a:schemeClr val="accent2"/>
+          </a:fillRef>
+          <a:effectRef idx="3">
+            <a:schemeClr val="accent2"/>
+          </a:effectRef>
+          <a:fontRef idx="minor">
+            <a:schemeClr val="lt1"/>
+          </a:fontRef>
+        </p:style>
+        <p:txBody>
+          <a:bodyPr wrap="square">
+            <a:spAutoFit/>
+          </a:bodyPr>
+          <a:lstStyle/>
+          <a:p>
+            <a:pPr>
+              <a:spcBef>
+                <a:spcPts val="300"/>
+              </a:spcBef>
+              <a:spcAft>
+                <a:spcPts val="300"/>
+              </a:spcAft>
+              <a:defRPr/>
+            </a:pPr>
+            <a:r>
+              <a:rPr lang="fr-FR" sz="1600" b="1" noProof="1">
+                <a:solidFill>
+                  <a:schemeClr val="tx1"/>
+                </a:solidFill>
+              </a:rPr>
+              <a:t>DiagGroup </a:t>
+            </a:r>
+            <a:r>
+              <a:rPr lang="fr-FR" sz="1600" noProof="1">
+                <a:solidFill>
+                  <a:schemeClr val="tx1"/>
+                </a:solidFill>
+              </a:rPr>
+              <a:t>(0..*)</a:t>
+            </a:r>
+            <a:endParaRPr lang="fr-FR" sz="1600" b="1" noProof="1">
+              <a:solidFill>
+                <a:schemeClr val="tx1"/>
+              </a:solidFill>
+            </a:endParaRPr>
+          </a:p>
+          <a:p>
+            <a:pPr>
+              <a:spcBef>
+                <a:spcPts val="300"/>
+              </a:spcBef>
+              <a:spcAft>
+                <a:spcPts val="300"/>
+              </a:spcAft>
+              <a:defRPr/>
+            </a:pPr>
+            <a:endParaRPr lang="fr-FR" sz="1600" noProof="1">
+              <a:solidFill>
+                <a:schemeClr val="tx1"/>
+              </a:solidFill>
+            </a:endParaRPr>
+          </a:p>
+          <a:p>
+            <a:pPr>
+              <a:spcBef>
+                <a:spcPts val="300"/>
+              </a:spcBef>
+              <a:spcAft>
+                <a:spcPts val="300"/>
+              </a:spcAft>
+              <a:defRPr/>
+            </a:pPr>
+            <a:endParaRPr lang="fr-FR" sz="100" noProof="1">
+              <a:solidFill>
+                <a:schemeClr val="tx1"/>
+              </a:solidFill>
+            </a:endParaRPr>
+          </a:p>
+        </p:txBody>
+      </p:sp>
+      <p:sp>
+        <p:nvSpPr>
+          <p:cNvPr id="10" name="Textfeld 16">
+            <a:extLst>
+              <a:ext uri="{FF2B5EF4-FFF2-40B4-BE49-F238E27FC236}">
+                <a16:creationId xmlns:a16="http://schemas.microsoft.com/office/drawing/2014/main" id="{F21FE65B-3C1E-E110-B3BD-F6A14EBE79E6}"/>
+              </a:ext>
+            </a:extLst>
+          </p:cNvPr>
+          <p:cNvSpPr txBox="1"/>
+          <p:nvPr/>
+        </p:nvSpPr>
+        <p:spPr>
+          <a:xfrm>
+            <a:off x="1324941" y="8605343"/>
+            <a:ext cx="3046087" cy="307777"/>
+          </a:xfrm>
+          <a:prstGeom prst="rect">
+            <a:avLst/>
+          </a:prstGeom>
+          <a:noFill/>
+        </p:spPr>
+        <p:txBody>
+          <a:bodyPr wrap="square" rtlCol="0">
+            <a:spAutoFit/>
+          </a:bodyPr>
+          <a:lstStyle/>
+          <a:p>
+            <a:pPr marL="285750" indent="-285750">
+              <a:buFont typeface="Arial"/>
+              <a:buChar char="•"/>
+              <a:defRPr/>
+            </a:pPr>
+            <a:r>
+              <a:rPr lang="de-DE" sz="1400" i="1" dirty="0">
+                <a:solidFill>
+                  <a:srgbClr val="000000"/>
+                </a:solidFill>
+                <a:latin typeface="Times New Roman" pitchFamily="-107" charset="0"/>
+              </a:rPr>
+              <a:t>Fields like DiagCode, DiagType</a:t>
+            </a:r>
+          </a:p>
+        </p:txBody>
+      </p:sp>
+      <p:sp>
+        <p:nvSpPr>
+          <p:cNvPr id="11" name="Lightning Bolt 10">
+            <a:extLst>
+              <a:ext uri="{FF2B5EF4-FFF2-40B4-BE49-F238E27FC236}">
+                <a16:creationId xmlns:a16="http://schemas.microsoft.com/office/drawing/2014/main" id="{D1F42F82-603D-F5F2-3B34-3C4CE48DBAFD}"/>
+              </a:ext>
+            </a:extLst>
+          </p:cNvPr>
+          <p:cNvSpPr/>
+          <p:nvPr/>
+        </p:nvSpPr>
+        <p:spPr>
+          <a:xfrm>
+            <a:off x="-277234" y="1662574"/>
+            <a:ext cx="8287267" cy="8525781"/>
+          </a:xfrm>
+          <a:prstGeom prst="lightningBolt">
+            <a:avLst/>
+          </a:prstGeom>
+        </p:spPr>
+        <p:style>
+          <a:lnRef idx="1">
+            <a:schemeClr val="accent1"/>
+          </a:lnRef>
+          <a:fillRef idx="3">
+            <a:schemeClr val="accent1"/>
+          </a:fillRef>
+          <a:effectRef idx="2">
+            <a:schemeClr val="accent1"/>
+          </a:effectRef>
+          <a:fontRef idx="minor">
+            <a:schemeClr val="lt1"/>
+          </a:fontRef>
+        </p:style>
+        <p:txBody>
+          <a:bodyPr rtlCol="0" anchor="ctr"/>
+          <a:lstStyle/>
+          <a:p>
+            <a:pPr algn="ctr"/>
+            <a:endParaRPr lang="en-US"/>
+          </a:p>
+        </p:txBody>
+      </p:sp>
     </p:spTree>
     <p:extLst>
       <p:ext uri="{BB962C8B-B14F-4D97-AF65-F5344CB8AC3E}">
         <p14:creationId xmlns:p14="http://schemas.microsoft.com/office/powerpoint/2010/main" val="668101196"/>
+      </p:ext>
+    </p:extLst>
+  </p:cSld>
+  <p:clrMapOvr>
+    <a:masterClrMapping/>
+  </p:clrMapOvr>
+</p:sld>
+</file>
+
+<file path=ppt/slides/slide3.xml><?xml version="1.0" encoding="utf-8"?>
+<p:sld xmlns:a="http://schemas.openxmlformats.org/drawingml/2006/main" xmlns:r="http://schemas.openxmlformats.org/officeDocument/2006/relationships" xmlns:p="http://schemas.openxmlformats.org/presentationml/2006/main">
+  <p:cSld>
+    <p:spTree>
+      <p:nvGrpSpPr>
+        <p:cNvPr id="1" name="">
+          <a:extLst>
+            <a:ext uri="{FF2B5EF4-FFF2-40B4-BE49-F238E27FC236}">
+              <a16:creationId xmlns:a16="http://schemas.microsoft.com/office/drawing/2014/main" id="{35B9FE69-E473-D323-618D-F3FE041AEC35}"/>
+            </a:ext>
+          </a:extLst>
+        </p:cNvPr>
+        <p:cNvGrpSpPr/>
+        <p:nvPr/>
+      </p:nvGrpSpPr>
+      <p:grpSpPr>
+        <a:xfrm>
+          <a:off x="0" y="0"/>
+          <a:ext cx="0" cy="0"/>
+          <a:chOff x="0" y="0"/>
+          <a:chExt cx="0" cy="0"/>
+        </a:xfrm>
+      </p:grpSpPr>
+      <p:sp>
+        <p:nvSpPr>
+          <p:cNvPr id="22" name="AutoShape 29">
+            <a:extLst>
+              <a:ext uri="{FF2B5EF4-FFF2-40B4-BE49-F238E27FC236}">
+                <a16:creationId xmlns:a16="http://schemas.microsoft.com/office/drawing/2014/main" id="{5BD782AC-5BFA-A0D9-C98C-651BF8754D5A}"/>
+              </a:ext>
+            </a:extLst>
+          </p:cNvPr>
+          <p:cNvSpPr>
+            <a:spLocks noChangeArrowheads="1"/>
+          </p:cNvSpPr>
+          <p:nvPr/>
+        </p:nvSpPr>
+        <p:spPr bwMode="auto">
+          <a:xfrm flipV="1">
+            <a:off x="501497" y="2925099"/>
+            <a:ext cx="4999899" cy="7826474"/>
+          </a:xfrm>
+          <a:prstGeom prst="foldedCorner">
+            <a:avLst>
+              <a:gd name="adj" fmla="val 5618"/>
+            </a:avLst>
+          </a:prstGeom>
+          <a:ln>
+            <a:headEnd/>
+            <a:tailEnd/>
+          </a:ln>
+        </p:spPr>
+        <p:style>
+          <a:lnRef idx="0">
+            <a:schemeClr val="accent6"/>
+          </a:lnRef>
+          <a:fillRef idx="3">
+            <a:schemeClr val="accent6"/>
+          </a:fillRef>
+          <a:effectRef idx="3">
+            <a:schemeClr val="accent6"/>
+          </a:effectRef>
+          <a:fontRef idx="minor">
+            <a:schemeClr val="lt1"/>
+          </a:fontRef>
+        </p:style>
+        <p:txBody>
+          <a:bodyPr wrap="none" anchor="ctr"/>
+          <a:lstStyle/>
+          <a:p>
+            <a:pPr>
+              <a:defRPr/>
+            </a:pPr>
+            <a:endParaRPr lang="de-DE" dirty="0"/>
+          </a:p>
+          <a:p>
+            <a:pPr>
+              <a:defRPr/>
+            </a:pPr>
+            <a:endParaRPr lang="de-DE" dirty="0"/>
+          </a:p>
+          <a:p>
+            <a:pPr>
+              <a:defRPr/>
+            </a:pPr>
+            <a:endParaRPr lang="de-DE" dirty="0"/>
+          </a:p>
+          <a:p>
+            <a:pPr>
+              <a:defRPr/>
+            </a:pPr>
+            <a:endParaRPr lang="de-DE" dirty="0"/>
+          </a:p>
+          <a:p>
+            <a:pPr>
+              <a:defRPr/>
+            </a:pPr>
+            <a:endParaRPr lang="de-DE" dirty="0"/>
+          </a:p>
+          <a:p>
+            <a:pPr>
+              <a:defRPr/>
+            </a:pPr>
+            <a:endParaRPr lang="de-DE" dirty="0"/>
+          </a:p>
+          <a:p>
+            <a:pPr>
+              <a:defRPr/>
+            </a:pPr>
+            <a:endParaRPr lang="de-DE" dirty="0"/>
+          </a:p>
+          <a:p>
+            <a:pPr>
+              <a:defRPr/>
+            </a:pPr>
+            <a:endParaRPr lang="de-DE" dirty="0"/>
+          </a:p>
+          <a:p>
+            <a:pPr>
+              <a:defRPr/>
+            </a:pPr>
+            <a:endParaRPr lang="de-DE" dirty="0"/>
+          </a:p>
+          <a:p>
+            <a:pPr>
+              <a:defRPr/>
+            </a:pPr>
+            <a:endParaRPr lang="de-DE" dirty="0"/>
+          </a:p>
+          <a:p>
+            <a:pPr>
+              <a:defRPr/>
+            </a:pPr>
+            <a:endParaRPr lang="de-DE" dirty="0"/>
+          </a:p>
+          <a:p>
+            <a:pPr>
+              <a:defRPr/>
+            </a:pPr>
+            <a:endParaRPr lang="de-DE" dirty="0"/>
+          </a:p>
+          <a:p>
+            <a:pPr>
+              <a:defRPr/>
+            </a:pPr>
+            <a:endParaRPr lang="de-DE" dirty="0"/>
+          </a:p>
+          <a:p>
+            <a:pPr>
+              <a:defRPr/>
+            </a:pPr>
+            <a:endParaRPr lang="de-DE" dirty="0"/>
+          </a:p>
+          <a:p>
+            <a:pPr>
+              <a:defRPr/>
+            </a:pPr>
+            <a:endParaRPr lang="de-DE" dirty="0"/>
+          </a:p>
+          <a:p>
+            <a:pPr>
+              <a:defRPr/>
+            </a:pPr>
+            <a:endParaRPr lang="de-DE" dirty="0"/>
+          </a:p>
+          <a:p>
+            <a:pPr>
+              <a:defRPr/>
+            </a:pPr>
+            <a:endParaRPr lang="de-DE" dirty="0"/>
+          </a:p>
+          <a:p>
+            <a:pPr>
+              <a:defRPr/>
+            </a:pPr>
+            <a:endParaRPr lang="de-DE" dirty="0"/>
+          </a:p>
+          <a:p>
+            <a:pPr>
+              <a:defRPr/>
+            </a:pPr>
+            <a:endParaRPr lang="de-DE" dirty="0"/>
+          </a:p>
+          <a:p>
+            <a:pPr>
+              <a:defRPr/>
+            </a:pPr>
+            <a:endParaRPr lang="de-DE" dirty="0"/>
+          </a:p>
+          <a:p>
+            <a:pPr>
+              <a:defRPr/>
+            </a:pPr>
+            <a:endParaRPr lang="de-DE" dirty="0"/>
+          </a:p>
+          <a:p>
+            <a:pPr>
+              <a:defRPr/>
+            </a:pPr>
+            <a:endParaRPr lang="de-DE" dirty="0"/>
+          </a:p>
+          <a:p>
+            <a:pPr>
+              <a:defRPr/>
+            </a:pPr>
+            <a:endParaRPr lang="de-DE" dirty="0"/>
+          </a:p>
+          <a:p>
+            <a:pPr>
+              <a:defRPr/>
+            </a:pPr>
+            <a:endParaRPr lang="de-DE" dirty="0"/>
+          </a:p>
+        </p:txBody>
+      </p:sp>
+      <p:sp>
+        <p:nvSpPr>
+          <p:cNvPr id="27" name="Rechteck 8">
+            <a:extLst>
+              <a:ext uri="{FF2B5EF4-FFF2-40B4-BE49-F238E27FC236}">
+                <a16:creationId xmlns:a16="http://schemas.microsoft.com/office/drawing/2014/main" id="{23830DBB-7DA1-622A-D151-E6EDC0CF7950}"/>
+              </a:ext>
+            </a:extLst>
+          </p:cNvPr>
+          <p:cNvSpPr/>
+          <p:nvPr/>
+        </p:nvSpPr>
+        <p:spPr>
+          <a:xfrm>
+            <a:off x="648903" y="3067334"/>
+            <a:ext cx="4603503" cy="369332"/>
+          </a:xfrm>
+          <a:prstGeom prst="rect">
+            <a:avLst/>
+          </a:prstGeom>
+        </p:spPr>
+        <p:txBody>
+          <a:bodyPr wrap="square">
+            <a:spAutoFit/>
+          </a:bodyPr>
+          <a:lstStyle/>
+          <a:p>
+            <a:r>
+              <a:rPr lang="de-DE" b="1" dirty="0">
+                <a:solidFill>
+                  <a:srgbClr val="000000"/>
+                </a:solidFill>
+              </a:rPr>
+              <a:t>Header </a:t>
+            </a:r>
+            <a:r>
+              <a:rPr lang="de-DE" dirty="0">
+                <a:solidFill>
+                  <a:srgbClr val="000000"/>
+                </a:solidFill>
+              </a:rPr>
+              <a:t>(Leistungsschnittstelle ALIS Version 5.0)</a:t>
+            </a:r>
+            <a:endParaRPr lang="de-DE" dirty="0"/>
+          </a:p>
+        </p:txBody>
+      </p:sp>
+      <p:sp>
+        <p:nvSpPr>
+          <p:cNvPr id="37" name="Textfeld 16">
+            <a:extLst>
+              <a:ext uri="{FF2B5EF4-FFF2-40B4-BE49-F238E27FC236}">
+                <a16:creationId xmlns:a16="http://schemas.microsoft.com/office/drawing/2014/main" id="{45BEAF5D-B629-5C70-D139-68CE2F3BE914}"/>
+              </a:ext>
+            </a:extLst>
+          </p:cNvPr>
+          <p:cNvSpPr txBox="1"/>
+          <p:nvPr/>
+        </p:nvSpPr>
+        <p:spPr>
+          <a:xfrm>
+            <a:off x="802404" y="3443659"/>
+            <a:ext cx="4526138" cy="523220"/>
+          </a:xfrm>
+          <a:prstGeom prst="rect">
+            <a:avLst/>
+          </a:prstGeom>
+          <a:noFill/>
+        </p:spPr>
+        <p:txBody>
+          <a:bodyPr wrap="square" rtlCol="0">
+            <a:spAutoFit/>
+          </a:bodyPr>
+          <a:lstStyle/>
+          <a:p>
+            <a:pPr marL="285750" indent="-285750">
+              <a:buFont typeface="Arial"/>
+              <a:buChar char="•"/>
+              <a:defRPr/>
+            </a:pPr>
+            <a:r>
+              <a:rPr lang="de-DE" sz="1400" i="1" dirty="0">
+                <a:solidFill>
+                  <a:srgbClr val="000000"/>
+                </a:solidFill>
+                <a:latin typeface="Times New Roman" pitchFamily="-107" charset="0"/>
+              </a:rPr>
+              <a:t>Fields like </a:t>
+            </a:r>
+            <a:r>
+              <a:rPr lang="en-US" sz="1400" i="1" dirty="0">
+                <a:solidFill>
+                  <a:srgbClr val="000000"/>
+                </a:solidFill>
+                <a:latin typeface="Times New Roman" pitchFamily="-107" charset="0"/>
+              </a:rPr>
+              <a:t>ReceivingApplication</a:t>
+            </a:r>
+            <a:r>
+              <a:rPr lang="de-DE" sz="1400" i="1" dirty="0">
+                <a:solidFill>
+                  <a:srgbClr val="000000"/>
+                </a:solidFill>
+                <a:latin typeface="Times New Roman" pitchFamily="-107" charset="0"/>
+              </a:rPr>
+              <a:t>, </a:t>
+            </a:r>
+            <a:r>
+              <a:rPr lang="en-US" sz="1400" i="1" dirty="0">
+                <a:solidFill>
+                  <a:srgbClr val="000000"/>
+                </a:solidFill>
+                <a:latin typeface="Times New Roman" pitchFamily="-107" charset="0"/>
+              </a:rPr>
+              <a:t>SendingApplication</a:t>
+            </a:r>
+          </a:p>
+          <a:p>
+            <a:pPr marL="285750" indent="-285750">
+              <a:buFont typeface="Arial"/>
+              <a:buChar char="•"/>
+              <a:defRPr/>
+            </a:pPr>
+            <a:endParaRPr lang="de-DE" sz="1400" i="1" dirty="0">
+              <a:solidFill>
+                <a:srgbClr val="000000"/>
+              </a:solidFill>
+              <a:latin typeface="Times New Roman" pitchFamily="-107" charset="0"/>
+            </a:endParaRPr>
+          </a:p>
+        </p:txBody>
+      </p:sp>
+      <p:sp>
+        <p:nvSpPr>
+          <p:cNvPr id="11" name="Rectangle 5">
+            <a:extLst>
+              <a:ext uri="{FF2B5EF4-FFF2-40B4-BE49-F238E27FC236}">
+                <a16:creationId xmlns:a16="http://schemas.microsoft.com/office/drawing/2014/main" id="{9C5FE96D-53B6-6D90-7C5E-95E8E78FB5FF}"/>
+              </a:ext>
+            </a:extLst>
+          </p:cNvPr>
+          <p:cNvSpPr>
+            <a:spLocks noChangeArrowheads="1"/>
+          </p:cNvSpPr>
+          <p:nvPr/>
+        </p:nvSpPr>
+        <p:spPr bwMode="auto">
+          <a:xfrm>
+            <a:off x="755334" y="3807142"/>
+            <a:ext cx="4492223" cy="6706806"/>
+          </a:xfrm>
+          <a:prstGeom prst="rect">
+            <a:avLst/>
+          </a:prstGeom>
+          <a:solidFill>
+            <a:schemeClr val="accent4">
+              <a:lumMod val="60000"/>
+              <a:lumOff val="40000"/>
+            </a:schemeClr>
+          </a:solidFill>
+          <a:ln>
+            <a:headEnd/>
+            <a:tailEnd/>
+          </a:ln>
+        </p:spPr>
+        <p:style>
+          <a:lnRef idx="0">
+            <a:schemeClr val="accent1"/>
+          </a:lnRef>
+          <a:fillRef idx="3">
+            <a:schemeClr val="accent1"/>
+          </a:fillRef>
+          <a:effectRef idx="3">
+            <a:schemeClr val="accent1"/>
+          </a:effectRef>
+          <a:fontRef idx="minor">
+            <a:schemeClr val="lt1"/>
+          </a:fontRef>
+        </p:style>
+        <p:txBody>
+          <a:bodyPr wrap="none" tIns="46800" anchor="t" anchorCtr="0">
+            <a:noAutofit/>
+          </a:bodyPr>
+          <a:lstStyle/>
+          <a:p>
+            <a:pPr>
+              <a:defRPr/>
+            </a:pPr>
+            <a:r>
+              <a:rPr lang="de-DE" b="1" dirty="0">
+                <a:solidFill>
+                  <a:srgbClr val="000000"/>
+                </a:solidFill>
+              </a:rPr>
+              <a:t>Treatment </a:t>
+            </a:r>
+            <a:r>
+              <a:rPr lang="de-DE" dirty="0">
+                <a:solidFill>
+                  <a:srgbClr val="000000"/>
+                </a:solidFill>
+              </a:rPr>
+              <a:t>(1..*)</a:t>
+            </a:r>
+          </a:p>
+          <a:p>
+            <a:pPr>
+              <a:lnSpc>
+                <a:spcPct val="150000"/>
+              </a:lnSpc>
+              <a:defRPr/>
+            </a:pPr>
+            <a:endParaRPr lang="de-DE" b="1" i="1" dirty="0">
+              <a:solidFill>
+                <a:srgbClr val="000000"/>
+              </a:solidFill>
+            </a:endParaRPr>
+          </a:p>
+          <a:p>
+            <a:pPr>
+              <a:defRPr/>
+            </a:pPr>
+            <a:endParaRPr lang="de-DE" b="1" i="1" dirty="0">
+              <a:solidFill>
+                <a:srgbClr val="000000"/>
+              </a:solidFill>
+            </a:endParaRPr>
+          </a:p>
+          <a:p>
+            <a:pPr>
+              <a:defRPr/>
+            </a:pPr>
+            <a:endParaRPr lang="de-DE" b="1" i="1" dirty="0">
+              <a:solidFill>
+                <a:srgbClr val="000000"/>
+              </a:solidFill>
+            </a:endParaRPr>
+          </a:p>
+          <a:p>
+            <a:pPr>
+              <a:defRPr/>
+            </a:pPr>
+            <a:r>
+              <a:rPr lang="de-DE" b="1" i="1" dirty="0">
+                <a:solidFill>
+                  <a:srgbClr val="000000"/>
+                </a:solidFill>
+              </a:rPr>
+              <a:t> </a:t>
+            </a:r>
+          </a:p>
+          <a:p>
+            <a:pPr>
+              <a:defRPr/>
+            </a:pPr>
+            <a:endParaRPr lang="de-DE" sz="1600" b="1" i="1" dirty="0">
+              <a:solidFill>
+                <a:srgbClr val="000000"/>
+              </a:solidFill>
+              <a:latin typeface="Times New Roman" pitchFamily="-107" charset="0"/>
+            </a:endParaRPr>
+          </a:p>
+          <a:p>
+            <a:pPr>
+              <a:defRPr/>
+            </a:pPr>
+            <a:endParaRPr lang="de-DE" sz="1600" b="1" i="1" dirty="0">
+              <a:solidFill>
+                <a:srgbClr val="000000"/>
+              </a:solidFill>
+              <a:latin typeface="Times New Roman" pitchFamily="-107" charset="0"/>
+            </a:endParaRPr>
+          </a:p>
+          <a:p>
+            <a:pPr>
+              <a:defRPr/>
+            </a:pPr>
+            <a:endParaRPr lang="de-DE" sz="1600" i="1" dirty="0">
+              <a:latin typeface="Times New Roman" pitchFamily="-107" charset="0"/>
+            </a:endParaRPr>
+          </a:p>
+        </p:txBody>
+      </p:sp>
+      <p:sp>
+        <p:nvSpPr>
+          <p:cNvPr id="23" name="Rectangle 5">
+            <a:extLst>
+              <a:ext uri="{FF2B5EF4-FFF2-40B4-BE49-F238E27FC236}">
+                <a16:creationId xmlns:a16="http://schemas.microsoft.com/office/drawing/2014/main" id="{948D8085-3301-B959-CF00-FA3695A27CA5}"/>
+              </a:ext>
+            </a:extLst>
+          </p:cNvPr>
+          <p:cNvSpPr>
+            <a:spLocks noChangeArrowheads="1"/>
+          </p:cNvSpPr>
+          <p:nvPr/>
+        </p:nvSpPr>
+        <p:spPr bwMode="auto">
+          <a:xfrm>
+            <a:off x="972118" y="5461125"/>
+            <a:ext cx="3907133" cy="4870280"/>
+          </a:xfrm>
+          <a:prstGeom prst="rect">
+            <a:avLst/>
+          </a:prstGeom>
+          <a:ln>
+            <a:headEnd/>
+            <a:tailEnd/>
+          </a:ln>
+        </p:spPr>
+        <p:style>
+          <a:lnRef idx="0">
+            <a:schemeClr val="accent1"/>
+          </a:lnRef>
+          <a:fillRef idx="3">
+            <a:schemeClr val="accent1"/>
+          </a:fillRef>
+          <a:effectRef idx="3">
+            <a:schemeClr val="accent1"/>
+          </a:effectRef>
+          <a:fontRef idx="minor">
+            <a:schemeClr val="lt1"/>
+          </a:fontRef>
+        </p:style>
+        <p:txBody>
+          <a:bodyPr wrap="none" tIns="46800" anchor="t" anchorCtr="0">
+            <a:noAutofit/>
+          </a:bodyPr>
+          <a:lstStyle/>
+          <a:p>
+            <a:pPr>
+              <a:defRPr/>
+            </a:pPr>
+            <a:r>
+              <a:rPr lang="de-DE" b="1" dirty="0">
+                <a:solidFill>
+                  <a:srgbClr val="000000"/>
+                </a:solidFill>
+              </a:rPr>
+              <a:t>Visit </a:t>
+            </a:r>
+            <a:r>
+              <a:rPr lang="de-DE" dirty="0">
+                <a:solidFill>
+                  <a:srgbClr val="000000"/>
+                </a:solidFill>
+              </a:rPr>
+              <a:t>(1..*)</a:t>
+            </a:r>
+          </a:p>
+          <a:p>
+            <a:pPr>
+              <a:lnSpc>
+                <a:spcPct val="150000"/>
+              </a:lnSpc>
+              <a:defRPr/>
+            </a:pPr>
+            <a:endParaRPr lang="de-DE" b="1" i="1" dirty="0">
+              <a:solidFill>
+                <a:srgbClr val="000000"/>
+              </a:solidFill>
+            </a:endParaRPr>
+          </a:p>
+          <a:p>
+            <a:pPr>
+              <a:defRPr/>
+            </a:pPr>
+            <a:endParaRPr lang="de-DE" b="1" i="1" dirty="0">
+              <a:solidFill>
+                <a:srgbClr val="000000"/>
+              </a:solidFill>
+            </a:endParaRPr>
+          </a:p>
+          <a:p>
+            <a:pPr>
+              <a:defRPr/>
+            </a:pPr>
+            <a:endParaRPr lang="de-DE" b="1" i="1" dirty="0">
+              <a:solidFill>
+                <a:srgbClr val="000000"/>
+              </a:solidFill>
+            </a:endParaRPr>
+          </a:p>
+          <a:p>
+            <a:pPr>
+              <a:defRPr/>
+            </a:pPr>
+            <a:r>
+              <a:rPr lang="de-DE" b="1" i="1" dirty="0">
+                <a:solidFill>
+                  <a:srgbClr val="000000"/>
+                </a:solidFill>
+              </a:rPr>
+              <a:t> </a:t>
+            </a:r>
+          </a:p>
+          <a:p>
+            <a:pPr>
+              <a:defRPr/>
+            </a:pPr>
+            <a:endParaRPr lang="de-DE" sz="1600" b="1" i="1" dirty="0">
+              <a:solidFill>
+                <a:srgbClr val="000000"/>
+              </a:solidFill>
+              <a:latin typeface="Times New Roman" pitchFamily="-107" charset="0"/>
+            </a:endParaRPr>
+          </a:p>
+          <a:p>
+            <a:pPr>
+              <a:defRPr/>
+            </a:pPr>
+            <a:endParaRPr lang="de-DE" sz="1600" b="1" i="1" dirty="0">
+              <a:solidFill>
+                <a:srgbClr val="000000"/>
+              </a:solidFill>
+              <a:latin typeface="Times New Roman" pitchFamily="-107" charset="0"/>
+            </a:endParaRPr>
+          </a:p>
+          <a:p>
+            <a:pPr>
+              <a:defRPr/>
+            </a:pPr>
+            <a:endParaRPr lang="de-DE" sz="1600" i="1" dirty="0">
+              <a:latin typeface="Times New Roman" pitchFamily="-107" charset="0"/>
+            </a:endParaRPr>
+          </a:p>
+        </p:txBody>
+      </p:sp>
+      <p:sp>
+        <p:nvSpPr>
+          <p:cNvPr id="33" name="Textfeld 16">
+            <a:extLst>
+              <a:ext uri="{FF2B5EF4-FFF2-40B4-BE49-F238E27FC236}">
+                <a16:creationId xmlns:a16="http://schemas.microsoft.com/office/drawing/2014/main" id="{F687BF27-D9BA-42D5-B68D-BBA5848A18CE}"/>
+              </a:ext>
+            </a:extLst>
+          </p:cNvPr>
+          <p:cNvSpPr txBox="1"/>
+          <p:nvPr/>
+        </p:nvSpPr>
+        <p:spPr>
+          <a:xfrm>
+            <a:off x="1017711" y="5726576"/>
+            <a:ext cx="3318851" cy="523220"/>
+          </a:xfrm>
+          <a:prstGeom prst="rect">
+            <a:avLst/>
+          </a:prstGeom>
+          <a:noFill/>
+        </p:spPr>
+        <p:txBody>
+          <a:bodyPr wrap="square" rtlCol="0">
+            <a:spAutoFit/>
+          </a:bodyPr>
+          <a:lstStyle/>
+          <a:p>
+            <a:pPr marL="285750" indent="-285750">
+              <a:buFont typeface="Arial"/>
+              <a:buChar char="•"/>
+              <a:defRPr/>
+            </a:pPr>
+            <a:r>
+              <a:rPr lang="de-DE" sz="1400" i="1" dirty="0">
+                <a:solidFill>
+                  <a:srgbClr val="000000"/>
+                </a:solidFill>
+                <a:latin typeface="Times New Roman" pitchFamily="-107" charset="0"/>
+              </a:rPr>
+              <a:t>Fields like VisitNumber, PatientID</a:t>
+            </a:r>
+          </a:p>
+          <a:p>
+            <a:pPr marL="285750" indent="-285750">
+              <a:buFont typeface="Arial"/>
+              <a:buChar char="•"/>
+              <a:defRPr/>
+            </a:pPr>
+            <a:endParaRPr lang="de-DE" sz="1400" i="1" dirty="0">
+              <a:solidFill>
+                <a:srgbClr val="000000"/>
+              </a:solidFill>
+              <a:latin typeface="Times New Roman" pitchFamily="-107" charset="0"/>
+            </a:endParaRPr>
+          </a:p>
+        </p:txBody>
+      </p:sp>
+      <p:sp>
+        <p:nvSpPr>
+          <p:cNvPr id="26" name="Text Box 10">
+            <a:extLst>
+              <a:ext uri="{FF2B5EF4-FFF2-40B4-BE49-F238E27FC236}">
+                <a16:creationId xmlns:a16="http://schemas.microsoft.com/office/drawing/2014/main" id="{A02902FB-2E8D-1F73-6322-DB9E173D3ACA}"/>
+              </a:ext>
+            </a:extLst>
+          </p:cNvPr>
+          <p:cNvSpPr txBox="1">
+            <a:spLocks noChangeArrowheads="1"/>
+          </p:cNvSpPr>
+          <p:nvPr/>
+        </p:nvSpPr>
+        <p:spPr bwMode="auto">
+          <a:xfrm>
+            <a:off x="980776" y="4620142"/>
+            <a:ext cx="3907133" cy="754053"/>
+          </a:xfrm>
+          <a:prstGeom prst="rect">
+            <a:avLst/>
+          </a:prstGeom>
+          <a:ln>
+            <a:headEnd/>
+            <a:tailEnd/>
+          </a:ln>
+        </p:spPr>
+        <p:style>
+          <a:lnRef idx="0">
+            <a:schemeClr val="accent2"/>
+          </a:lnRef>
+          <a:fillRef idx="3">
+            <a:schemeClr val="accent2"/>
+          </a:fillRef>
+          <a:effectRef idx="3">
+            <a:schemeClr val="accent2"/>
+          </a:effectRef>
+          <a:fontRef idx="minor">
+            <a:schemeClr val="lt1"/>
+          </a:fontRef>
+        </p:style>
+        <p:txBody>
+          <a:bodyPr wrap="square">
+            <a:spAutoFit/>
+          </a:bodyPr>
+          <a:lstStyle/>
+          <a:p>
+            <a:pPr>
+              <a:spcBef>
+                <a:spcPts val="300"/>
+              </a:spcBef>
+              <a:spcAft>
+                <a:spcPts val="300"/>
+              </a:spcAft>
+              <a:defRPr/>
+            </a:pPr>
+            <a:r>
+              <a:rPr lang="fr-FR" sz="1600" b="1" noProof="1">
+                <a:solidFill>
+                  <a:schemeClr val="tx1"/>
+                </a:solidFill>
+              </a:rPr>
+              <a:t>DiagGroup </a:t>
+            </a:r>
+            <a:r>
+              <a:rPr lang="fr-FR" sz="1600" noProof="1">
+                <a:solidFill>
+                  <a:schemeClr val="tx1"/>
+                </a:solidFill>
+              </a:rPr>
+              <a:t>(0..1)</a:t>
+            </a:r>
+            <a:endParaRPr lang="fr-FR" sz="1600" b="1" noProof="1">
+              <a:solidFill>
+                <a:schemeClr val="tx1"/>
+              </a:solidFill>
+            </a:endParaRPr>
+          </a:p>
+          <a:p>
+            <a:pPr>
+              <a:spcBef>
+                <a:spcPts val="300"/>
+              </a:spcBef>
+              <a:spcAft>
+                <a:spcPts val="300"/>
+              </a:spcAft>
+              <a:defRPr/>
+            </a:pPr>
+            <a:endParaRPr lang="fr-FR" sz="1600" noProof="1">
+              <a:solidFill>
+                <a:schemeClr val="tx1"/>
+              </a:solidFill>
+            </a:endParaRPr>
+          </a:p>
+          <a:p>
+            <a:pPr>
+              <a:spcBef>
+                <a:spcPts val="300"/>
+              </a:spcBef>
+              <a:spcAft>
+                <a:spcPts val="300"/>
+              </a:spcAft>
+              <a:defRPr/>
+            </a:pPr>
+            <a:endParaRPr lang="fr-FR" sz="100" noProof="1">
+              <a:solidFill>
+                <a:schemeClr val="tx1"/>
+              </a:solidFill>
+            </a:endParaRPr>
+          </a:p>
+        </p:txBody>
+      </p:sp>
+      <p:sp>
+        <p:nvSpPr>
+          <p:cNvPr id="38" name="Textfeld 16">
+            <a:extLst>
+              <a:ext uri="{FF2B5EF4-FFF2-40B4-BE49-F238E27FC236}">
+                <a16:creationId xmlns:a16="http://schemas.microsoft.com/office/drawing/2014/main" id="{892B0A2A-315F-8F90-EEC8-647EB360D740}"/>
+              </a:ext>
+            </a:extLst>
+          </p:cNvPr>
+          <p:cNvSpPr txBox="1"/>
+          <p:nvPr/>
+        </p:nvSpPr>
+        <p:spPr>
+          <a:xfrm>
+            <a:off x="1073632" y="4883708"/>
+            <a:ext cx="3652028" cy="523220"/>
+          </a:xfrm>
+          <a:prstGeom prst="rect">
+            <a:avLst/>
+          </a:prstGeom>
+          <a:noFill/>
+        </p:spPr>
+        <p:txBody>
+          <a:bodyPr wrap="square" rtlCol="0">
+            <a:spAutoFit/>
+          </a:bodyPr>
+          <a:lstStyle/>
+          <a:p>
+            <a:pPr marL="285750" indent="-285750">
+              <a:buFont typeface="Arial"/>
+              <a:buChar char="•"/>
+              <a:defRPr/>
+            </a:pPr>
+            <a:r>
+              <a:rPr lang="de-DE" sz="1400" i="1" dirty="0">
+                <a:solidFill>
+                  <a:srgbClr val="000000"/>
+                </a:solidFill>
+                <a:latin typeface="Times New Roman" pitchFamily="-107" charset="0"/>
+              </a:rPr>
+              <a:t>Fields like DiagCode, </a:t>
+            </a:r>
+            <a:r>
+              <a:rPr lang="de-DE" sz="1400" i="1" dirty="0" err="1">
+                <a:solidFill>
+                  <a:srgbClr val="000000"/>
+                </a:solidFill>
+                <a:latin typeface="Times New Roman" pitchFamily="-107" charset="0"/>
+              </a:rPr>
+              <a:t>DiagType</a:t>
+            </a:r>
+            <a:endParaRPr lang="de-DE" sz="1400" i="1" dirty="0">
+              <a:solidFill>
+                <a:srgbClr val="000000"/>
+              </a:solidFill>
+              <a:latin typeface="Times New Roman" pitchFamily="-107" charset="0"/>
+            </a:endParaRPr>
+          </a:p>
+          <a:p>
+            <a:pPr marL="285750" indent="-285750">
+              <a:buFont typeface="Arial"/>
+              <a:buChar char="•"/>
+              <a:defRPr/>
+            </a:pPr>
+            <a:r>
+              <a:rPr lang="de-DE" sz="1400" i="1" dirty="0">
+                <a:solidFill>
+                  <a:srgbClr val="000000"/>
+                </a:solidFill>
+                <a:latin typeface="Times New Roman" pitchFamily="-107" charset="0"/>
+              </a:rPr>
+              <a:t>New Fields: </a:t>
+            </a:r>
+            <a:r>
+              <a:rPr lang="de-DE" sz="1400" i="1" dirty="0" err="1">
+                <a:solidFill>
+                  <a:srgbClr val="000000"/>
+                </a:solidFill>
+                <a:latin typeface="Times New Roman" pitchFamily="-107" charset="0"/>
+              </a:rPr>
+              <a:t>OnsetDateTime</a:t>
+            </a:r>
+            <a:r>
+              <a:rPr lang="de-DE" sz="1400" i="1" dirty="0">
+                <a:solidFill>
+                  <a:srgbClr val="000000"/>
+                </a:solidFill>
+                <a:latin typeface="Times New Roman" pitchFamily="-107" charset="0"/>
+              </a:rPr>
+              <a:t>, </a:t>
+            </a:r>
+            <a:r>
+              <a:rPr lang="de-DE" sz="1400" i="1" dirty="0" err="1">
+                <a:solidFill>
+                  <a:srgbClr val="000000"/>
+                </a:solidFill>
+                <a:latin typeface="Times New Roman" pitchFamily="-107" charset="0"/>
+              </a:rPr>
+              <a:t>Laterality</a:t>
+            </a:r>
+            <a:endParaRPr lang="de-DE" sz="1400" i="1" dirty="0">
+              <a:solidFill>
+                <a:srgbClr val="000000"/>
+              </a:solidFill>
+              <a:latin typeface="Times New Roman" pitchFamily="-107" charset="0"/>
+            </a:endParaRPr>
+          </a:p>
+        </p:txBody>
+      </p:sp>
+      <p:sp>
+        <p:nvSpPr>
+          <p:cNvPr id="28" name="Text Box 10">
+            <a:extLst>
+              <a:ext uri="{FF2B5EF4-FFF2-40B4-BE49-F238E27FC236}">
+                <a16:creationId xmlns:a16="http://schemas.microsoft.com/office/drawing/2014/main" id="{9EB2F750-2CD6-B1C7-0858-241E7C149C02}"/>
+              </a:ext>
+            </a:extLst>
+          </p:cNvPr>
+          <p:cNvSpPr txBox="1">
+            <a:spLocks noChangeArrowheads="1"/>
+          </p:cNvSpPr>
+          <p:nvPr/>
+        </p:nvSpPr>
+        <p:spPr bwMode="auto">
+          <a:xfrm>
+            <a:off x="1125707" y="6110550"/>
+            <a:ext cx="3599953" cy="3880908"/>
+          </a:xfrm>
+          <a:prstGeom prst="rect">
+            <a:avLst/>
+          </a:prstGeom>
+          <a:ln>
+            <a:headEnd/>
+            <a:tailEnd/>
+          </a:ln>
+        </p:spPr>
+        <p:style>
+          <a:lnRef idx="0">
+            <a:schemeClr val="accent3"/>
+          </a:lnRef>
+          <a:fillRef idx="3">
+            <a:schemeClr val="accent3"/>
+          </a:fillRef>
+          <a:effectRef idx="3">
+            <a:schemeClr val="accent3"/>
+          </a:effectRef>
+          <a:fontRef idx="minor">
+            <a:schemeClr val="lt1"/>
+          </a:fontRef>
+        </p:style>
+        <p:txBody>
+          <a:bodyPr wrap="square">
+            <a:noAutofit/>
+          </a:bodyPr>
+          <a:lstStyle/>
+          <a:p>
+            <a:pPr>
+              <a:spcBef>
+                <a:spcPts val="300"/>
+              </a:spcBef>
+              <a:spcAft>
+                <a:spcPts val="300"/>
+              </a:spcAft>
+              <a:defRPr/>
+            </a:pPr>
+            <a:r>
+              <a:rPr lang="fr-FR" sz="1600" b="1" noProof="1">
+                <a:solidFill>
+                  <a:schemeClr val="tx1"/>
+                </a:solidFill>
+              </a:rPr>
+              <a:t>Service </a:t>
+            </a:r>
+            <a:r>
+              <a:rPr lang="fr-FR" sz="1600" noProof="1">
+                <a:solidFill>
+                  <a:schemeClr val="tx1"/>
+                </a:solidFill>
+              </a:rPr>
+              <a:t>(1..*)</a:t>
+            </a:r>
+            <a:endParaRPr lang="fr-FR" sz="1600" b="1" noProof="1">
+              <a:solidFill>
+                <a:schemeClr val="tx1"/>
+              </a:solidFill>
+            </a:endParaRPr>
+          </a:p>
+        </p:txBody>
+      </p:sp>
+      <p:sp>
+        <p:nvSpPr>
+          <p:cNvPr id="39" name="Textfeld 16">
+            <a:extLst>
+              <a:ext uri="{FF2B5EF4-FFF2-40B4-BE49-F238E27FC236}">
+                <a16:creationId xmlns:a16="http://schemas.microsoft.com/office/drawing/2014/main" id="{177C3DAE-5124-BAC6-4B4D-9498AB6FA120}"/>
+              </a:ext>
+            </a:extLst>
+          </p:cNvPr>
+          <p:cNvSpPr txBox="1"/>
+          <p:nvPr/>
+        </p:nvSpPr>
+        <p:spPr>
+          <a:xfrm>
+            <a:off x="1300979" y="6492738"/>
+            <a:ext cx="3159640" cy="523220"/>
+          </a:xfrm>
+          <a:prstGeom prst="rect">
+            <a:avLst/>
+          </a:prstGeom>
+          <a:noFill/>
+        </p:spPr>
+        <p:txBody>
+          <a:bodyPr wrap="square" rtlCol="0">
+            <a:spAutoFit/>
+          </a:bodyPr>
+          <a:lstStyle/>
+          <a:p>
+            <a:pPr marL="285750" indent="-285750">
+              <a:buFont typeface="Arial"/>
+              <a:buChar char="•"/>
+              <a:defRPr/>
+            </a:pPr>
+            <a:r>
+              <a:rPr lang="de-DE" sz="1400" i="1" dirty="0">
+                <a:solidFill>
+                  <a:srgbClr val="000000"/>
+                </a:solidFill>
+                <a:latin typeface="Times New Roman" pitchFamily="-107" charset="0"/>
+              </a:rPr>
+              <a:t>Fields like ServiceDate, </a:t>
+            </a:r>
+            <a:r>
+              <a:rPr lang="de-DE" sz="1400" i="1" dirty="0" err="1">
+                <a:solidFill>
+                  <a:srgbClr val="000000"/>
+                </a:solidFill>
+                <a:latin typeface="Times New Roman" pitchFamily="-107" charset="0"/>
+              </a:rPr>
+              <a:t>ServiceItem</a:t>
+            </a:r>
+            <a:endParaRPr lang="de-DE" sz="1400" i="1" dirty="0">
+              <a:solidFill>
+                <a:srgbClr val="000000"/>
+              </a:solidFill>
+              <a:latin typeface="Times New Roman" pitchFamily="-107" charset="0"/>
+            </a:endParaRPr>
+          </a:p>
+          <a:p>
+            <a:pPr marL="285750" indent="-285750">
+              <a:buFont typeface="Arial"/>
+              <a:buChar char="•"/>
+              <a:defRPr/>
+            </a:pPr>
+            <a:r>
+              <a:rPr lang="de-DE" sz="1400" i="1" dirty="0">
+                <a:solidFill>
+                  <a:srgbClr val="000000"/>
+                </a:solidFill>
+                <a:latin typeface="Times New Roman" pitchFamily="-107" charset="0"/>
+              </a:rPr>
+              <a:t>New: </a:t>
+            </a:r>
+            <a:r>
+              <a:rPr lang="de-DE" sz="1400" i="1" dirty="0" err="1">
+                <a:solidFill>
+                  <a:srgbClr val="000000"/>
+                </a:solidFill>
+                <a:latin typeface="Times New Roman" pitchFamily="-107" charset="0"/>
+              </a:rPr>
+              <a:t>TPValue</a:t>
+            </a:r>
+            <a:endParaRPr lang="de-DE" sz="1400" i="1" dirty="0">
+              <a:solidFill>
+                <a:srgbClr val="000000"/>
+              </a:solidFill>
+              <a:latin typeface="Times New Roman" pitchFamily="-107" charset="0"/>
+            </a:endParaRPr>
+          </a:p>
+        </p:txBody>
+      </p:sp>
+      <p:sp>
+        <p:nvSpPr>
+          <p:cNvPr id="29" name="Text Box 10">
+            <a:extLst>
+              <a:ext uri="{FF2B5EF4-FFF2-40B4-BE49-F238E27FC236}">
+                <a16:creationId xmlns:a16="http://schemas.microsoft.com/office/drawing/2014/main" id="{26A73EA4-9EF4-68B4-68AA-11DE5FD11F12}"/>
+              </a:ext>
+            </a:extLst>
+          </p:cNvPr>
+          <p:cNvSpPr txBox="1">
+            <a:spLocks noChangeArrowheads="1"/>
+          </p:cNvSpPr>
+          <p:nvPr/>
+        </p:nvSpPr>
+        <p:spPr bwMode="auto">
+          <a:xfrm>
+            <a:off x="1217964" y="7253583"/>
+            <a:ext cx="3318851" cy="754053"/>
+          </a:xfrm>
+          <a:prstGeom prst="rect">
+            <a:avLst/>
+          </a:prstGeom>
+          <a:ln>
+            <a:headEnd/>
+            <a:tailEnd/>
+          </a:ln>
+        </p:spPr>
+        <p:style>
+          <a:lnRef idx="0">
+            <a:schemeClr val="accent3"/>
+          </a:lnRef>
+          <a:fillRef idx="3">
+            <a:schemeClr val="accent3"/>
+          </a:fillRef>
+          <a:effectRef idx="3">
+            <a:schemeClr val="accent3"/>
+          </a:effectRef>
+          <a:fontRef idx="minor">
+            <a:schemeClr val="lt1"/>
+          </a:fontRef>
+        </p:style>
+        <p:txBody>
+          <a:bodyPr wrap="square">
+            <a:spAutoFit/>
+          </a:bodyPr>
+          <a:lstStyle/>
+          <a:p>
+            <a:pPr>
+              <a:spcBef>
+                <a:spcPts val="300"/>
+              </a:spcBef>
+              <a:spcAft>
+                <a:spcPts val="300"/>
+              </a:spcAft>
+              <a:defRPr/>
+            </a:pPr>
+            <a:r>
+              <a:rPr lang="fr-FR" sz="1600" noProof="1">
+                <a:solidFill>
+                  <a:schemeClr val="tx1"/>
+                </a:solidFill>
+              </a:rPr>
+              <a:t>PersonV40 (0..*)</a:t>
+            </a:r>
+          </a:p>
+          <a:p>
+            <a:pPr>
+              <a:spcBef>
+                <a:spcPts val="300"/>
+              </a:spcBef>
+              <a:spcAft>
+                <a:spcPts val="300"/>
+              </a:spcAft>
+              <a:defRPr/>
+            </a:pPr>
+            <a:endParaRPr lang="fr-FR" sz="1600" noProof="1">
+              <a:solidFill>
+                <a:schemeClr val="tx1"/>
+              </a:solidFill>
+            </a:endParaRPr>
+          </a:p>
+          <a:p>
+            <a:pPr>
+              <a:spcBef>
+                <a:spcPts val="300"/>
+              </a:spcBef>
+              <a:spcAft>
+                <a:spcPts val="300"/>
+              </a:spcAft>
+              <a:defRPr/>
+            </a:pPr>
+            <a:endParaRPr lang="fr-FR" sz="100" noProof="1">
+              <a:solidFill>
+                <a:schemeClr val="tx1"/>
+              </a:solidFill>
+            </a:endParaRPr>
+          </a:p>
+        </p:txBody>
+      </p:sp>
+      <p:sp>
+        <p:nvSpPr>
+          <p:cNvPr id="40" name="Textfeld 16">
+            <a:extLst>
+              <a:ext uri="{FF2B5EF4-FFF2-40B4-BE49-F238E27FC236}">
+                <a16:creationId xmlns:a16="http://schemas.microsoft.com/office/drawing/2014/main" id="{129EDD23-7E7E-A9B3-C63F-C40171C4BB26}"/>
+              </a:ext>
+            </a:extLst>
+          </p:cNvPr>
+          <p:cNvSpPr txBox="1"/>
+          <p:nvPr/>
+        </p:nvSpPr>
+        <p:spPr>
+          <a:xfrm>
+            <a:off x="1293117" y="7581531"/>
+            <a:ext cx="3159640" cy="307777"/>
+          </a:xfrm>
+          <a:prstGeom prst="rect">
+            <a:avLst/>
+          </a:prstGeom>
+          <a:noFill/>
+        </p:spPr>
+        <p:txBody>
+          <a:bodyPr wrap="square" rtlCol="0">
+            <a:spAutoFit/>
+          </a:bodyPr>
+          <a:lstStyle/>
+          <a:p>
+            <a:pPr marL="285750" indent="-285750">
+              <a:buFont typeface="Arial"/>
+              <a:buChar char="•"/>
+              <a:defRPr/>
+            </a:pPr>
+            <a:r>
+              <a:rPr lang="de-DE" sz="1400" i="1" dirty="0">
+                <a:solidFill>
+                  <a:srgbClr val="000000"/>
+                </a:solidFill>
+                <a:latin typeface="Times New Roman" pitchFamily="-107" charset="0"/>
+              </a:rPr>
+              <a:t>Fields like PersonTyp, PersonID</a:t>
+            </a:r>
+          </a:p>
+        </p:txBody>
+      </p:sp>
+      <p:sp>
+        <p:nvSpPr>
+          <p:cNvPr id="41" name="Text Box 10">
+            <a:extLst>
+              <a:ext uri="{FF2B5EF4-FFF2-40B4-BE49-F238E27FC236}">
+                <a16:creationId xmlns:a16="http://schemas.microsoft.com/office/drawing/2014/main" id="{0E83A779-E778-EDBB-A29E-AEF16C73CD32}"/>
+              </a:ext>
+            </a:extLst>
+          </p:cNvPr>
+          <p:cNvSpPr txBox="1">
+            <a:spLocks noChangeArrowheads="1"/>
+          </p:cNvSpPr>
+          <p:nvPr/>
+        </p:nvSpPr>
+        <p:spPr bwMode="auto">
+          <a:xfrm>
+            <a:off x="1207039" y="8185035"/>
+            <a:ext cx="3329776" cy="754053"/>
+          </a:xfrm>
+          <a:prstGeom prst="rect">
+            <a:avLst/>
+          </a:prstGeom>
+          <a:ln>
+            <a:headEnd/>
+            <a:tailEnd/>
+          </a:ln>
+        </p:spPr>
+        <p:style>
+          <a:lnRef idx="0">
+            <a:schemeClr val="accent3"/>
+          </a:lnRef>
+          <a:fillRef idx="3">
+            <a:schemeClr val="accent3"/>
+          </a:fillRef>
+          <a:effectRef idx="3">
+            <a:schemeClr val="accent3"/>
+          </a:effectRef>
+          <a:fontRef idx="minor">
+            <a:schemeClr val="lt1"/>
+          </a:fontRef>
+        </p:style>
+        <p:txBody>
+          <a:bodyPr wrap="square">
+            <a:spAutoFit/>
+          </a:bodyPr>
+          <a:lstStyle/>
+          <a:p>
+            <a:pPr>
+              <a:spcBef>
+                <a:spcPts val="300"/>
+              </a:spcBef>
+              <a:spcAft>
+                <a:spcPts val="300"/>
+              </a:spcAft>
+              <a:defRPr/>
+            </a:pPr>
+            <a:r>
+              <a:rPr lang="fr-FR" sz="1600" noProof="1">
+                <a:solidFill>
+                  <a:schemeClr val="tx1"/>
+                </a:solidFill>
+              </a:rPr>
+              <a:t>ParameterV40 (0..*)</a:t>
+            </a:r>
+          </a:p>
+          <a:p>
+            <a:pPr>
+              <a:spcBef>
+                <a:spcPts val="300"/>
+              </a:spcBef>
+              <a:spcAft>
+                <a:spcPts val="300"/>
+              </a:spcAft>
+              <a:defRPr/>
+            </a:pPr>
+            <a:endParaRPr lang="fr-FR" sz="1600" noProof="1">
+              <a:solidFill>
+                <a:schemeClr val="tx1"/>
+              </a:solidFill>
+            </a:endParaRPr>
+          </a:p>
+          <a:p>
+            <a:pPr>
+              <a:spcBef>
+                <a:spcPts val="300"/>
+              </a:spcBef>
+              <a:spcAft>
+                <a:spcPts val="300"/>
+              </a:spcAft>
+              <a:defRPr/>
+            </a:pPr>
+            <a:endParaRPr lang="fr-FR" sz="100" noProof="1">
+              <a:solidFill>
+                <a:schemeClr val="tx1"/>
+              </a:solidFill>
+            </a:endParaRPr>
+          </a:p>
+        </p:txBody>
+      </p:sp>
+      <p:sp>
+        <p:nvSpPr>
+          <p:cNvPr id="42" name="Textfeld 16">
+            <a:extLst>
+              <a:ext uri="{FF2B5EF4-FFF2-40B4-BE49-F238E27FC236}">
+                <a16:creationId xmlns:a16="http://schemas.microsoft.com/office/drawing/2014/main" id="{82B30C3C-D49E-BB60-FC74-EEB1586E0FCB}"/>
+              </a:ext>
+            </a:extLst>
+          </p:cNvPr>
+          <p:cNvSpPr txBox="1"/>
+          <p:nvPr/>
+        </p:nvSpPr>
+        <p:spPr>
+          <a:xfrm>
+            <a:off x="1207039" y="8503172"/>
+            <a:ext cx="3159640" cy="307777"/>
+          </a:xfrm>
+          <a:prstGeom prst="rect">
+            <a:avLst/>
+          </a:prstGeom>
+          <a:noFill/>
+        </p:spPr>
+        <p:txBody>
+          <a:bodyPr wrap="square" rtlCol="0">
+            <a:spAutoFit/>
+          </a:bodyPr>
+          <a:lstStyle/>
+          <a:p>
+            <a:pPr marL="285750" indent="-285750">
+              <a:buFont typeface="Arial"/>
+              <a:buChar char="•"/>
+              <a:defRPr/>
+            </a:pPr>
+            <a:r>
+              <a:rPr lang="de-DE" sz="1400" i="1" dirty="0">
+                <a:solidFill>
+                  <a:srgbClr val="000000"/>
+                </a:solidFill>
+                <a:latin typeface="Times New Roman" pitchFamily="-107" charset="0"/>
+              </a:rPr>
+              <a:t>Fields like ParamTyp, ParamValue</a:t>
+            </a:r>
+          </a:p>
+        </p:txBody>
+      </p:sp>
+      <p:sp>
+        <p:nvSpPr>
+          <p:cNvPr id="2" name="Textfeld 16">
+            <a:extLst>
+              <a:ext uri="{FF2B5EF4-FFF2-40B4-BE49-F238E27FC236}">
+                <a16:creationId xmlns:a16="http://schemas.microsoft.com/office/drawing/2014/main" id="{04E97175-1A09-F71E-1E7C-71C1CAD88AD4}"/>
+              </a:ext>
+            </a:extLst>
+          </p:cNvPr>
+          <p:cNvSpPr txBox="1"/>
+          <p:nvPr/>
+        </p:nvSpPr>
+        <p:spPr>
+          <a:xfrm>
+            <a:off x="930145" y="4160410"/>
+            <a:ext cx="4092932" cy="523220"/>
+          </a:xfrm>
+          <a:prstGeom prst="rect">
+            <a:avLst/>
+          </a:prstGeom>
+          <a:noFill/>
+        </p:spPr>
+        <p:txBody>
+          <a:bodyPr wrap="square" rtlCol="0">
+            <a:spAutoFit/>
+          </a:bodyPr>
+          <a:lstStyle/>
+          <a:p>
+            <a:pPr marL="285750" indent="-285750">
+              <a:buFont typeface="Arial"/>
+              <a:buChar char="•"/>
+              <a:defRPr/>
+            </a:pPr>
+            <a:r>
+              <a:rPr lang="de-CH" sz="1400" i="1" dirty="0">
+                <a:solidFill>
+                  <a:srgbClr val="000000"/>
+                </a:solidFill>
+                <a:latin typeface="Times New Roman" pitchFamily="-107" charset="0"/>
+              </a:rPr>
+              <a:t>New: </a:t>
+            </a:r>
+            <a:r>
+              <a:rPr lang="de-DE" sz="1400" i="1" dirty="0" err="1">
+                <a:solidFill>
+                  <a:srgbClr val="000000"/>
+                </a:solidFill>
+                <a:latin typeface="Times New Roman" pitchFamily="-107" charset="0"/>
+              </a:rPr>
+              <a:t>PatientContactID</a:t>
+            </a:r>
+            <a:endParaRPr lang="en-US" sz="1400" i="1" dirty="0">
+              <a:solidFill>
+                <a:srgbClr val="000000"/>
+              </a:solidFill>
+              <a:latin typeface="Times New Roman" pitchFamily="-107" charset="0"/>
+            </a:endParaRPr>
+          </a:p>
+          <a:p>
+            <a:pPr marL="285750" indent="-285750">
+              <a:buFont typeface="Arial"/>
+              <a:buChar char="•"/>
+              <a:defRPr/>
+            </a:pPr>
+            <a:endParaRPr lang="de-DE" sz="1400" i="1" dirty="0">
+              <a:solidFill>
+                <a:srgbClr val="000000"/>
+              </a:solidFill>
+              <a:latin typeface="Times New Roman" pitchFamily="-107" charset="0"/>
+            </a:endParaRPr>
+          </a:p>
+        </p:txBody>
+      </p:sp>
+    </p:spTree>
+    <p:extLst>
+      <p:ext uri="{BB962C8B-B14F-4D97-AF65-F5344CB8AC3E}">
+        <p14:creationId xmlns:p14="http://schemas.microsoft.com/office/powerpoint/2010/main" val="2856470210"/>
       </p:ext>
     </p:extLst>
   </p:cSld>

--- a/prents_ch-alis.pptx
+++ b/prents_ch-alis.pptx
@@ -304,7 +304,7 @@
           <a:p>
             <a:fld id="{DAD4AEBD-E175-AE42-B084-2E4026DB8423}" type="datetimeFigureOut">
               <a:rPr lang="de-DE" smtClean="0"/>
-              <a:t>20.11.24</a:t>
+              <a:t>19.12.24</a:t>
             </a:fld>
             <a:endParaRPr lang="de-DE" dirty="0"/>
           </a:p>
@@ -472,7 +472,7 @@
           <a:p>
             <a:fld id="{DAD4AEBD-E175-AE42-B084-2E4026DB8423}" type="datetimeFigureOut">
               <a:rPr lang="de-DE" smtClean="0"/>
-              <a:t>20.11.24</a:t>
+              <a:t>19.12.24</a:t>
             </a:fld>
             <a:endParaRPr lang="de-DE" dirty="0"/>
           </a:p>
@@ -650,7 +650,7 @@
           <a:p>
             <a:fld id="{DAD4AEBD-E175-AE42-B084-2E4026DB8423}" type="datetimeFigureOut">
               <a:rPr lang="de-DE" smtClean="0"/>
-              <a:t>20.11.24</a:t>
+              <a:t>19.12.24</a:t>
             </a:fld>
             <a:endParaRPr lang="de-DE" dirty="0"/>
           </a:p>
@@ -818,7 +818,7 @@
           <a:p>
             <a:fld id="{DAD4AEBD-E175-AE42-B084-2E4026DB8423}" type="datetimeFigureOut">
               <a:rPr lang="de-DE" smtClean="0"/>
-              <a:t>20.11.24</a:t>
+              <a:t>19.12.24</a:t>
             </a:fld>
             <a:endParaRPr lang="de-DE" dirty="0"/>
           </a:p>
@@ -1063,7 +1063,7 @@
           <a:p>
             <a:fld id="{DAD4AEBD-E175-AE42-B084-2E4026DB8423}" type="datetimeFigureOut">
               <a:rPr lang="de-DE" smtClean="0"/>
-              <a:t>20.11.24</a:t>
+              <a:t>19.12.24</a:t>
             </a:fld>
             <a:endParaRPr lang="de-DE" dirty="0"/>
           </a:p>
@@ -1348,7 +1348,7 @@
           <a:p>
             <a:fld id="{DAD4AEBD-E175-AE42-B084-2E4026DB8423}" type="datetimeFigureOut">
               <a:rPr lang="de-DE" smtClean="0"/>
-              <a:t>20.11.24</a:t>
+              <a:t>19.12.24</a:t>
             </a:fld>
             <a:endParaRPr lang="de-DE" dirty="0"/>
           </a:p>
@@ -1767,7 +1767,7 @@
           <a:p>
             <a:fld id="{DAD4AEBD-E175-AE42-B084-2E4026DB8423}" type="datetimeFigureOut">
               <a:rPr lang="de-DE" smtClean="0"/>
-              <a:t>20.11.24</a:t>
+              <a:t>19.12.24</a:t>
             </a:fld>
             <a:endParaRPr lang="de-DE" dirty="0"/>
           </a:p>
@@ -1884,7 +1884,7 @@
           <a:p>
             <a:fld id="{DAD4AEBD-E175-AE42-B084-2E4026DB8423}" type="datetimeFigureOut">
               <a:rPr lang="de-DE" smtClean="0"/>
-              <a:t>20.11.24</a:t>
+              <a:t>19.12.24</a:t>
             </a:fld>
             <a:endParaRPr lang="de-DE" dirty="0"/>
           </a:p>
@@ -1979,7 +1979,7 @@
           <a:p>
             <a:fld id="{DAD4AEBD-E175-AE42-B084-2E4026DB8423}" type="datetimeFigureOut">
               <a:rPr lang="de-DE" smtClean="0"/>
-              <a:t>20.11.24</a:t>
+              <a:t>19.12.24</a:t>
             </a:fld>
             <a:endParaRPr lang="de-DE" dirty="0"/>
           </a:p>
@@ -2254,7 +2254,7 @@
           <a:p>
             <a:fld id="{DAD4AEBD-E175-AE42-B084-2E4026DB8423}" type="datetimeFigureOut">
               <a:rPr lang="de-DE" smtClean="0"/>
-              <a:t>20.11.24</a:t>
+              <a:t>19.12.24</a:t>
             </a:fld>
             <a:endParaRPr lang="de-DE" dirty="0"/>
           </a:p>
@@ -2506,7 +2506,7 @@
           <a:p>
             <a:fld id="{DAD4AEBD-E175-AE42-B084-2E4026DB8423}" type="datetimeFigureOut">
               <a:rPr lang="de-DE" smtClean="0"/>
-              <a:t>20.11.24</a:t>
+              <a:t>19.12.24</a:t>
             </a:fld>
             <a:endParaRPr lang="de-DE" dirty="0"/>
           </a:p>
@@ -2717,7 +2717,7 @@
           <a:p>
             <a:fld id="{DAD4AEBD-E175-AE42-B084-2E4026DB8423}" type="datetimeFigureOut">
               <a:rPr lang="de-DE" smtClean="0"/>
-              <a:t>20.11.24</a:t>
+              <a:t>19.12.24</a:t>
             </a:fld>
             <a:endParaRPr lang="de-DE" dirty="0"/>
           </a:p>
@@ -7215,23 +7215,8 @@
                 </a:solidFill>
                 <a:latin typeface="Times New Roman" pitchFamily="-107" charset="0"/>
               </a:rPr>
-              <a:t>Fields like ServiceDate, </a:t>
-            </a:r>
-            <a:r>
-              <a:rPr lang="de-DE" sz="1400" i="1" dirty="0" err="1">
-                <a:solidFill>
-                  <a:srgbClr val="000000"/>
-                </a:solidFill>
-                <a:latin typeface="Times New Roman" pitchFamily="-107" charset="0"/>
-              </a:rPr>
-              <a:t>ServiceItem</a:t>
-            </a:r>
-            <a:endParaRPr lang="de-DE" sz="1400" i="1" dirty="0">
-              <a:solidFill>
-                <a:srgbClr val="000000"/>
-              </a:solidFill>
-              <a:latin typeface="Times New Roman" pitchFamily="-107" charset="0"/>
-            </a:endParaRPr>
+              <a:t>Fields like ServiceDate, ServiceItem</a:t>
+            </a:r>
           </a:p>
           <a:p>
             <a:pPr marL="285750" indent="-285750">
@@ -7246,25 +7231,7 @@
                 </a:solidFill>
                 <a:latin typeface="Times New Roman" pitchFamily="-107" charset="0"/>
               </a:rPr>
-              <a:t>New: </a:t>
-            </a:r>
-            <a:r>
-              <a:rPr lang="de-DE" sz="1400" i="1" dirty="0" err="1">
-                <a:solidFill>
-                  <a:srgbClr val="000000"/>
-                </a:solidFill>
-                <a:latin typeface="Times New Roman" pitchFamily="-107" charset="0"/>
-              </a:rPr>
-              <a:t>PatientContactID</a:t>
-            </a:r>
-            <a:r>
-              <a:rPr lang="de-DE" sz="1400" i="1" dirty="0">
-                <a:solidFill>
-                  <a:srgbClr val="000000"/>
-                </a:solidFill>
-                <a:latin typeface="Times New Roman" pitchFamily="-107" charset="0"/>
-              </a:rPr>
-              <a:t>, </a:t>
+              <a:t>New: PatientContactID, </a:t>
             </a:r>
             <a:r>
               <a:rPr lang="de-DE" sz="1400" i="1" dirty="0" err="1">
@@ -10066,23 +10033,8 @@
                 </a:solidFill>
                 <a:latin typeface="Times New Roman" pitchFamily="-107" charset="0"/>
               </a:rPr>
-              <a:t>Fields like DiagCode, </a:t>
-            </a:r>
-            <a:r>
-              <a:rPr lang="de-DE" sz="1400" i="1" dirty="0" err="1">
-                <a:solidFill>
-                  <a:srgbClr val="000000"/>
-                </a:solidFill>
-                <a:latin typeface="Times New Roman" pitchFamily="-107" charset="0"/>
-              </a:rPr>
-              <a:t>DiagType</a:t>
-            </a:r>
-            <a:endParaRPr lang="de-DE" sz="1400" i="1" dirty="0">
-              <a:solidFill>
-                <a:srgbClr val="000000"/>
-              </a:solidFill>
-              <a:latin typeface="Times New Roman" pitchFamily="-107" charset="0"/>
-            </a:endParaRPr>
+              <a:t>Fields like DiagCode, DiagType</a:t>
+            </a:r>
           </a:p>
           <a:p>
             <a:pPr marL="285750" indent="-285750">
@@ -10097,41 +10049,8 @@
                 </a:solidFill>
                 <a:latin typeface="Times New Roman" pitchFamily="-107" charset="0"/>
               </a:rPr>
-              <a:t>New Fields: </a:t>
-            </a:r>
-            <a:r>
-              <a:rPr lang="de-DE" sz="1400" i="1" dirty="0" err="1">
-                <a:solidFill>
-                  <a:srgbClr val="000000"/>
-                </a:solidFill>
-                <a:latin typeface="Times New Roman" pitchFamily="-107" charset="0"/>
-              </a:rPr>
-              <a:t>OnsetDateTime</a:t>
-            </a:r>
-            <a:r>
-              <a:rPr lang="de-DE" sz="1400" i="1" dirty="0">
-                <a:solidFill>
-                  <a:srgbClr val="000000"/>
-                </a:solidFill>
-                <a:latin typeface="Times New Roman" pitchFamily="-107" charset="0"/>
-              </a:rPr>
-              <a:t>, </a:t>
-            </a:r>
-            <a:r>
-              <a:rPr lang="de-DE" sz="1400" i="1" dirty="0" err="1">
-                <a:solidFill>
-                  <a:srgbClr val="000000"/>
-                </a:solidFill>
-                <a:latin typeface="Times New Roman" pitchFamily="-107" charset="0"/>
-              </a:rPr>
-              <a:t>Laterality</a:t>
-            </a:r>
-            <a:endParaRPr lang="de-DE" sz="1400" i="1" dirty="0">
-              <a:solidFill>
-                <a:srgbClr val="000000"/>
-              </a:solidFill>
-              <a:latin typeface="Times New Roman" pitchFamily="-107" charset="0"/>
-            </a:endParaRPr>
+              <a:t>New Fields: OnsetDateTime, Laterality</a:t>
+            </a:r>
           </a:p>
         </p:txBody>
       </p:sp>
@@ -10255,23 +10174,8 @@
                 </a:solidFill>
                 <a:latin typeface="Times New Roman" pitchFamily="-107" charset="0"/>
               </a:rPr>
-              <a:t>Fields like ServiceDate, </a:t>
-            </a:r>
-            <a:r>
-              <a:rPr lang="de-DE" sz="1400" i="1" dirty="0" err="1">
-                <a:solidFill>
-                  <a:srgbClr val="000000"/>
-                </a:solidFill>
-                <a:latin typeface="Times New Roman" pitchFamily="-107" charset="0"/>
-              </a:rPr>
-              <a:t>ServiceItem</a:t>
-            </a:r>
-            <a:endParaRPr lang="de-DE" sz="1400" i="1" dirty="0">
-              <a:solidFill>
-                <a:srgbClr val="000000"/>
-              </a:solidFill>
-              <a:latin typeface="Times New Roman" pitchFamily="-107" charset="0"/>
-            </a:endParaRPr>
+              <a:t>Fields like ServiceDate, ServiceItem</a:t>
+            </a:r>
           </a:p>
           <a:p>
             <a:pPr marL="285750" indent="-285750">
@@ -10286,23 +10190,8 @@
                 </a:solidFill>
                 <a:latin typeface="Times New Roman" pitchFamily="-107" charset="0"/>
               </a:rPr>
-              <a:t>New: </a:t>
-            </a:r>
-            <a:r>
-              <a:rPr lang="de-DE" sz="1400" i="1" dirty="0" err="1">
-                <a:solidFill>
-                  <a:srgbClr val="000000"/>
-                </a:solidFill>
-                <a:latin typeface="Times New Roman" pitchFamily="-107" charset="0"/>
-              </a:rPr>
-              <a:t>TPValue</a:t>
-            </a:r>
-            <a:endParaRPr lang="de-DE" sz="1400" i="1" dirty="0">
-              <a:solidFill>
-                <a:srgbClr val="000000"/>
-              </a:solidFill>
-              <a:latin typeface="Times New Roman" pitchFamily="-107" charset="0"/>
-            </a:endParaRPr>
+              <a:t>New: TPValue</a:t>
+            </a:r>
           </a:p>
         </p:txBody>
       </p:sp>
@@ -10637,7 +10526,7 @@
               <a:t>New: </a:t>
             </a:r>
             <a:r>
-              <a:rPr lang="de-DE" sz="1400" i="1" dirty="0" err="1">
+              <a:rPr lang="de-DE" sz="1400" i="1" dirty="0">
                 <a:solidFill>
                   <a:srgbClr val="000000"/>
                 </a:solidFill>
@@ -10664,6 +10553,1644 @@
               </a:solidFill>
               <a:latin typeface="Times New Roman" pitchFamily="-107" charset="0"/>
             </a:endParaRPr>
+          </a:p>
+        </p:txBody>
+      </p:sp>
+      <p:sp>
+        <p:nvSpPr>
+          <p:cNvPr id="4" name="AutoShape 29">
+            <a:extLst>
+              <a:ext uri="{FF2B5EF4-FFF2-40B4-BE49-F238E27FC236}">
+                <a16:creationId xmlns:a16="http://schemas.microsoft.com/office/drawing/2014/main" id="{9C98CA3E-016F-0840-33B3-A9A3C6B3EAAC}"/>
+              </a:ext>
+            </a:extLst>
+          </p:cNvPr>
+          <p:cNvSpPr>
+            <a:spLocks noChangeArrowheads="1"/>
+          </p:cNvSpPr>
+          <p:nvPr/>
+        </p:nvSpPr>
+        <p:spPr bwMode="auto">
+          <a:xfrm flipV="1">
+            <a:off x="5784126" y="2925099"/>
+            <a:ext cx="4999899" cy="7826473"/>
+          </a:xfrm>
+          <a:prstGeom prst="foldedCorner">
+            <a:avLst>
+              <a:gd name="adj" fmla="val 5618"/>
+            </a:avLst>
+          </a:prstGeom>
+          <a:ln>
+            <a:headEnd/>
+            <a:tailEnd/>
+          </a:ln>
+        </p:spPr>
+        <p:style>
+          <a:lnRef idx="0">
+            <a:schemeClr val="accent6"/>
+          </a:lnRef>
+          <a:fillRef idx="3">
+            <a:schemeClr val="accent6"/>
+          </a:fillRef>
+          <a:effectRef idx="3">
+            <a:schemeClr val="accent6"/>
+          </a:effectRef>
+          <a:fontRef idx="minor">
+            <a:schemeClr val="lt1"/>
+          </a:fontRef>
+        </p:style>
+        <p:txBody>
+          <a:bodyPr wrap="none" anchor="ctr"/>
+          <a:lstStyle/>
+          <a:p>
+            <a:pPr>
+              <a:defRPr/>
+            </a:pPr>
+            <a:endParaRPr lang="de-DE" dirty="0"/>
+          </a:p>
+          <a:p>
+            <a:pPr>
+              <a:defRPr/>
+            </a:pPr>
+            <a:endParaRPr lang="de-DE" dirty="0"/>
+          </a:p>
+          <a:p>
+            <a:pPr>
+              <a:defRPr/>
+            </a:pPr>
+            <a:endParaRPr lang="de-DE" dirty="0"/>
+          </a:p>
+          <a:p>
+            <a:pPr>
+              <a:defRPr/>
+            </a:pPr>
+            <a:endParaRPr lang="de-DE" dirty="0"/>
+          </a:p>
+          <a:p>
+            <a:pPr>
+              <a:defRPr/>
+            </a:pPr>
+            <a:endParaRPr lang="de-DE" dirty="0"/>
+          </a:p>
+          <a:p>
+            <a:pPr>
+              <a:defRPr/>
+            </a:pPr>
+            <a:endParaRPr lang="de-DE" dirty="0"/>
+          </a:p>
+          <a:p>
+            <a:pPr>
+              <a:defRPr/>
+            </a:pPr>
+            <a:endParaRPr lang="de-DE" dirty="0"/>
+          </a:p>
+          <a:p>
+            <a:pPr>
+              <a:defRPr/>
+            </a:pPr>
+            <a:endParaRPr lang="de-DE" dirty="0"/>
+          </a:p>
+          <a:p>
+            <a:pPr>
+              <a:defRPr/>
+            </a:pPr>
+            <a:endParaRPr lang="de-DE" dirty="0"/>
+          </a:p>
+          <a:p>
+            <a:pPr>
+              <a:defRPr/>
+            </a:pPr>
+            <a:endParaRPr lang="de-DE" dirty="0"/>
+          </a:p>
+          <a:p>
+            <a:pPr>
+              <a:defRPr/>
+            </a:pPr>
+            <a:endParaRPr lang="de-DE" dirty="0"/>
+          </a:p>
+          <a:p>
+            <a:pPr>
+              <a:defRPr/>
+            </a:pPr>
+            <a:endParaRPr lang="de-DE" dirty="0"/>
+          </a:p>
+          <a:p>
+            <a:pPr>
+              <a:defRPr/>
+            </a:pPr>
+            <a:endParaRPr lang="de-DE" dirty="0"/>
+          </a:p>
+          <a:p>
+            <a:pPr>
+              <a:defRPr/>
+            </a:pPr>
+            <a:endParaRPr lang="de-DE" dirty="0"/>
+          </a:p>
+          <a:p>
+            <a:pPr>
+              <a:defRPr/>
+            </a:pPr>
+            <a:endParaRPr lang="de-DE" dirty="0"/>
+          </a:p>
+          <a:p>
+            <a:pPr>
+              <a:defRPr/>
+            </a:pPr>
+            <a:endParaRPr lang="de-DE" dirty="0"/>
+          </a:p>
+          <a:p>
+            <a:pPr>
+              <a:defRPr/>
+            </a:pPr>
+            <a:endParaRPr lang="de-DE" dirty="0"/>
+          </a:p>
+          <a:p>
+            <a:pPr>
+              <a:defRPr/>
+            </a:pPr>
+            <a:endParaRPr lang="de-DE" dirty="0"/>
+          </a:p>
+          <a:p>
+            <a:pPr>
+              <a:defRPr/>
+            </a:pPr>
+            <a:endParaRPr lang="de-DE" dirty="0"/>
+          </a:p>
+          <a:p>
+            <a:pPr>
+              <a:defRPr/>
+            </a:pPr>
+            <a:endParaRPr lang="de-DE" dirty="0"/>
+          </a:p>
+          <a:p>
+            <a:pPr>
+              <a:defRPr/>
+            </a:pPr>
+            <a:endParaRPr lang="de-DE" dirty="0"/>
+          </a:p>
+          <a:p>
+            <a:pPr>
+              <a:defRPr/>
+            </a:pPr>
+            <a:endParaRPr lang="de-DE" dirty="0"/>
+          </a:p>
+          <a:p>
+            <a:pPr>
+              <a:defRPr/>
+            </a:pPr>
+            <a:endParaRPr lang="de-DE" dirty="0"/>
+          </a:p>
+          <a:p>
+            <a:pPr>
+              <a:defRPr/>
+            </a:pPr>
+            <a:endParaRPr lang="de-DE" dirty="0"/>
+          </a:p>
+        </p:txBody>
+      </p:sp>
+      <p:sp>
+        <p:nvSpPr>
+          <p:cNvPr id="5" name="Rectangle 5">
+            <a:extLst>
+              <a:ext uri="{FF2B5EF4-FFF2-40B4-BE49-F238E27FC236}">
+                <a16:creationId xmlns:a16="http://schemas.microsoft.com/office/drawing/2014/main" id="{AA1CC53E-EA77-5636-250B-6B83D5E78CFB}"/>
+              </a:ext>
+            </a:extLst>
+          </p:cNvPr>
+          <p:cNvSpPr>
+            <a:spLocks noChangeArrowheads="1"/>
+          </p:cNvSpPr>
+          <p:nvPr/>
+        </p:nvSpPr>
+        <p:spPr bwMode="auto">
+          <a:xfrm>
+            <a:off x="5985067" y="3807142"/>
+            <a:ext cx="4520161" cy="1254970"/>
+          </a:xfrm>
+          <a:prstGeom prst="rect">
+            <a:avLst/>
+          </a:prstGeom>
+          <a:ln>
+            <a:headEnd/>
+            <a:tailEnd/>
+          </a:ln>
+        </p:spPr>
+        <p:style>
+          <a:lnRef idx="0">
+            <a:schemeClr val="accent6"/>
+          </a:lnRef>
+          <a:fillRef idx="3">
+            <a:schemeClr val="accent6"/>
+          </a:fillRef>
+          <a:effectRef idx="3">
+            <a:schemeClr val="accent6"/>
+          </a:effectRef>
+          <a:fontRef idx="minor">
+            <a:schemeClr val="lt1"/>
+          </a:fontRef>
+        </p:style>
+        <p:txBody>
+          <a:bodyPr wrap="none" tIns="46800" anchor="t" anchorCtr="0">
+            <a:noAutofit/>
+          </a:bodyPr>
+          <a:lstStyle/>
+          <a:p>
+            <a:pPr>
+              <a:defRPr/>
+            </a:pPr>
+            <a:r>
+              <a:rPr lang="de-DE" b="1" dirty="0">
+                <a:solidFill>
+                  <a:srgbClr val="000000"/>
+                </a:solidFill>
+              </a:rPr>
+              <a:t>Entry: MessageHeader </a:t>
+            </a:r>
+            <a:r>
+              <a:rPr lang="de-DE" dirty="0">
+                <a:solidFill>
+                  <a:srgbClr val="000000"/>
+                </a:solidFill>
+              </a:rPr>
+              <a:t>(1..1)</a:t>
+            </a:r>
+            <a:endParaRPr lang="de-DE" b="1" i="1" dirty="0">
+              <a:solidFill>
+                <a:srgbClr val="000000"/>
+              </a:solidFill>
+            </a:endParaRPr>
+          </a:p>
+          <a:p>
+            <a:pPr>
+              <a:lnSpc>
+                <a:spcPct val="150000"/>
+              </a:lnSpc>
+              <a:defRPr/>
+            </a:pPr>
+            <a:endParaRPr lang="de-DE" b="1" i="1" dirty="0">
+              <a:solidFill>
+                <a:srgbClr val="000000"/>
+              </a:solidFill>
+            </a:endParaRPr>
+          </a:p>
+          <a:p>
+            <a:pPr>
+              <a:defRPr/>
+            </a:pPr>
+            <a:endParaRPr lang="de-DE" b="1" i="1" dirty="0">
+              <a:solidFill>
+                <a:srgbClr val="000000"/>
+              </a:solidFill>
+            </a:endParaRPr>
+          </a:p>
+          <a:p>
+            <a:pPr>
+              <a:defRPr/>
+            </a:pPr>
+            <a:endParaRPr lang="de-DE" b="1" i="1" dirty="0">
+              <a:solidFill>
+                <a:srgbClr val="000000"/>
+              </a:solidFill>
+            </a:endParaRPr>
+          </a:p>
+          <a:p>
+            <a:pPr>
+              <a:defRPr/>
+            </a:pPr>
+            <a:r>
+              <a:rPr lang="de-DE" b="1" i="1" dirty="0">
+                <a:solidFill>
+                  <a:srgbClr val="000000"/>
+                </a:solidFill>
+              </a:rPr>
+              <a:t> </a:t>
+            </a:r>
+          </a:p>
+          <a:p>
+            <a:pPr>
+              <a:defRPr/>
+            </a:pPr>
+            <a:endParaRPr lang="de-DE" sz="1600" b="1" i="1" dirty="0">
+              <a:solidFill>
+                <a:srgbClr val="000000"/>
+              </a:solidFill>
+              <a:latin typeface="Times New Roman" pitchFamily="-107" charset="0"/>
+            </a:endParaRPr>
+          </a:p>
+          <a:p>
+            <a:pPr>
+              <a:defRPr/>
+            </a:pPr>
+            <a:endParaRPr lang="de-DE" sz="1600" b="1" i="1" dirty="0">
+              <a:solidFill>
+                <a:srgbClr val="000000"/>
+              </a:solidFill>
+              <a:latin typeface="Times New Roman" pitchFamily="-107" charset="0"/>
+            </a:endParaRPr>
+          </a:p>
+          <a:p>
+            <a:pPr>
+              <a:defRPr/>
+            </a:pPr>
+            <a:endParaRPr lang="de-DE" sz="1600" i="1" dirty="0">
+              <a:latin typeface="Times New Roman" pitchFamily="-107" charset="0"/>
+            </a:endParaRPr>
+          </a:p>
+        </p:txBody>
+      </p:sp>
+      <p:sp>
+        <p:nvSpPr>
+          <p:cNvPr id="6" name="Text Box 10">
+            <a:extLst>
+              <a:ext uri="{FF2B5EF4-FFF2-40B4-BE49-F238E27FC236}">
+                <a16:creationId xmlns:a16="http://schemas.microsoft.com/office/drawing/2014/main" id="{AC8F3699-493B-3CD0-AD2C-AE0639FD540C}"/>
+              </a:ext>
+            </a:extLst>
+          </p:cNvPr>
+          <p:cNvSpPr txBox="1">
+            <a:spLocks noChangeArrowheads="1"/>
+          </p:cNvSpPr>
+          <p:nvPr/>
+        </p:nvSpPr>
+        <p:spPr bwMode="auto">
+          <a:xfrm>
+            <a:off x="6156361" y="4538661"/>
+            <a:ext cx="3915661" cy="338554"/>
+          </a:xfrm>
+          <a:prstGeom prst="rect">
+            <a:avLst/>
+          </a:prstGeom>
+          <a:ln>
+            <a:headEnd/>
+            <a:tailEnd/>
+          </a:ln>
+        </p:spPr>
+        <p:style>
+          <a:lnRef idx="0">
+            <a:schemeClr val="accent6"/>
+          </a:lnRef>
+          <a:fillRef idx="3">
+            <a:schemeClr val="accent6"/>
+          </a:fillRef>
+          <a:effectRef idx="3">
+            <a:schemeClr val="accent6"/>
+          </a:effectRef>
+          <a:fontRef idx="minor">
+            <a:schemeClr val="lt1"/>
+          </a:fontRef>
+        </p:style>
+        <p:txBody>
+          <a:bodyPr wrap="square">
+            <a:spAutoFit/>
+          </a:bodyPr>
+          <a:lstStyle/>
+          <a:p>
+            <a:pPr>
+              <a:spcBef>
+                <a:spcPts val="300"/>
+              </a:spcBef>
+              <a:spcAft>
+                <a:spcPts val="300"/>
+              </a:spcAft>
+              <a:defRPr/>
+            </a:pPr>
+            <a:r>
+              <a:rPr lang="fr-FR" sz="1600" b="1" noProof="1">
+                <a:solidFill>
+                  <a:schemeClr val="tx1"/>
+                </a:solidFill>
+              </a:rPr>
+              <a:t>Bundle Transaction</a:t>
+            </a:r>
+            <a:r>
+              <a:rPr lang="fr-FR" sz="1600" noProof="1">
+                <a:solidFill>
+                  <a:schemeClr val="tx1"/>
+                </a:solidFill>
+              </a:rPr>
+              <a:t> (Reference 1..1)</a:t>
+            </a:r>
+          </a:p>
+        </p:txBody>
+      </p:sp>
+      <p:sp>
+        <p:nvSpPr>
+          <p:cNvPr id="7" name="Rechteck 8">
+            <a:extLst>
+              <a:ext uri="{FF2B5EF4-FFF2-40B4-BE49-F238E27FC236}">
+                <a16:creationId xmlns:a16="http://schemas.microsoft.com/office/drawing/2014/main" id="{5EA5D9E6-55B3-1769-6FE7-508BC7122CBF}"/>
+              </a:ext>
+            </a:extLst>
+          </p:cNvPr>
+          <p:cNvSpPr/>
+          <p:nvPr/>
+        </p:nvSpPr>
+        <p:spPr>
+          <a:xfrm>
+            <a:off x="5962118" y="3067336"/>
+            <a:ext cx="4603503" cy="369332"/>
+          </a:xfrm>
+          <a:prstGeom prst="rect">
+            <a:avLst/>
+          </a:prstGeom>
+        </p:spPr>
+        <p:txBody>
+          <a:bodyPr wrap="square">
+            <a:spAutoFit/>
+          </a:bodyPr>
+          <a:lstStyle/>
+          <a:p>
+            <a:r>
+              <a:rPr lang="de-DE" b="1" dirty="0">
+                <a:solidFill>
+                  <a:srgbClr val="000000"/>
+                </a:solidFill>
+              </a:rPr>
+              <a:t>Bundle: Message</a:t>
+            </a:r>
+            <a:endParaRPr lang="de-DE" dirty="0"/>
+          </a:p>
+        </p:txBody>
+      </p:sp>
+      <p:sp>
+        <p:nvSpPr>
+          <p:cNvPr id="8" name="Textfeld 16">
+            <a:extLst>
+              <a:ext uri="{FF2B5EF4-FFF2-40B4-BE49-F238E27FC236}">
+                <a16:creationId xmlns:a16="http://schemas.microsoft.com/office/drawing/2014/main" id="{2C3A5F10-A732-3F39-6BFF-923A3C336256}"/>
+              </a:ext>
+            </a:extLst>
+          </p:cNvPr>
+          <p:cNvSpPr txBox="1"/>
+          <p:nvPr/>
+        </p:nvSpPr>
+        <p:spPr>
+          <a:xfrm>
+            <a:off x="6104727" y="4177742"/>
+            <a:ext cx="3318851" cy="523220"/>
+          </a:xfrm>
+          <a:prstGeom prst="rect">
+            <a:avLst/>
+          </a:prstGeom>
+          <a:noFill/>
+        </p:spPr>
+        <p:txBody>
+          <a:bodyPr wrap="square" rtlCol="0">
+            <a:spAutoFit/>
+          </a:bodyPr>
+          <a:lstStyle/>
+          <a:p>
+            <a:pPr marL="285750" indent="-285750">
+              <a:buFont typeface="Arial"/>
+              <a:buChar char="•"/>
+              <a:defRPr/>
+            </a:pPr>
+            <a:r>
+              <a:rPr lang="de-DE" sz="1400" i="1" dirty="0">
+                <a:solidFill>
+                  <a:srgbClr val="000000"/>
+                </a:solidFill>
+                <a:latin typeface="Times New Roman" pitchFamily="-107" charset="0"/>
+              </a:rPr>
+              <a:t>Parameters like destination, source</a:t>
+            </a:r>
+          </a:p>
+          <a:p>
+            <a:pPr marL="285750" indent="-285750">
+              <a:buFont typeface="Arial"/>
+              <a:buChar char="•"/>
+              <a:defRPr/>
+            </a:pPr>
+            <a:endParaRPr lang="de-DE" sz="1400" i="1" dirty="0">
+              <a:solidFill>
+                <a:srgbClr val="000000"/>
+              </a:solidFill>
+              <a:latin typeface="Times New Roman" pitchFamily="-107" charset="0"/>
+            </a:endParaRPr>
+          </a:p>
+        </p:txBody>
+      </p:sp>
+      <p:sp>
+        <p:nvSpPr>
+          <p:cNvPr id="9" name="Text Box 10">
+            <a:extLst>
+              <a:ext uri="{FF2B5EF4-FFF2-40B4-BE49-F238E27FC236}">
+                <a16:creationId xmlns:a16="http://schemas.microsoft.com/office/drawing/2014/main" id="{B3F1A3C2-D7FD-396A-08A9-852F772DCF31}"/>
+              </a:ext>
+            </a:extLst>
+          </p:cNvPr>
+          <p:cNvSpPr txBox="1">
+            <a:spLocks noChangeArrowheads="1"/>
+          </p:cNvSpPr>
+          <p:nvPr/>
+        </p:nvSpPr>
+        <p:spPr bwMode="auto">
+          <a:xfrm>
+            <a:off x="5985068" y="5191486"/>
+            <a:ext cx="4500000" cy="5364000"/>
+          </a:xfrm>
+          <a:prstGeom prst="rect">
+            <a:avLst/>
+          </a:prstGeom>
+          <a:ln>
+            <a:headEnd/>
+            <a:tailEnd/>
+          </a:ln>
+        </p:spPr>
+        <p:style>
+          <a:lnRef idx="0">
+            <a:schemeClr val="accent6"/>
+          </a:lnRef>
+          <a:fillRef idx="3">
+            <a:schemeClr val="accent6"/>
+          </a:fillRef>
+          <a:effectRef idx="3">
+            <a:schemeClr val="accent6"/>
+          </a:effectRef>
+          <a:fontRef idx="minor">
+            <a:schemeClr val="lt1"/>
+          </a:fontRef>
+        </p:style>
+        <p:txBody>
+          <a:bodyPr wrap="square">
+            <a:spAutoFit/>
+          </a:bodyPr>
+          <a:lstStyle/>
+          <a:p>
+            <a:pPr>
+              <a:spcBef>
+                <a:spcPts val="300"/>
+              </a:spcBef>
+              <a:spcAft>
+                <a:spcPts val="300"/>
+              </a:spcAft>
+              <a:defRPr/>
+            </a:pPr>
+            <a:r>
+              <a:rPr lang="fr-FR" sz="1600" b="1" noProof="1">
+                <a:solidFill>
+                  <a:schemeClr val="tx1"/>
+                </a:solidFill>
+              </a:rPr>
+              <a:t>Entry: Bundle Transaction </a:t>
+            </a:r>
+            <a:r>
+              <a:rPr lang="fr-FR" sz="1600" noProof="1">
+                <a:solidFill>
+                  <a:schemeClr val="tx1"/>
+                </a:solidFill>
+              </a:rPr>
+              <a:t>(1..1)</a:t>
+            </a:r>
+          </a:p>
+          <a:p>
+            <a:pPr>
+              <a:spcBef>
+                <a:spcPts val="300"/>
+              </a:spcBef>
+              <a:spcAft>
+                <a:spcPts val="300"/>
+              </a:spcAft>
+              <a:defRPr/>
+            </a:pPr>
+            <a:endParaRPr lang="fr-FR" sz="1600" noProof="1">
+              <a:solidFill>
+                <a:schemeClr val="tx1"/>
+              </a:solidFill>
+            </a:endParaRPr>
+          </a:p>
+          <a:p>
+            <a:pPr>
+              <a:spcBef>
+                <a:spcPts val="300"/>
+              </a:spcBef>
+              <a:spcAft>
+                <a:spcPts val="300"/>
+              </a:spcAft>
+              <a:defRPr/>
+            </a:pPr>
+            <a:endParaRPr lang="fr-FR" sz="1600" noProof="1">
+              <a:solidFill>
+                <a:schemeClr val="tx1"/>
+              </a:solidFill>
+            </a:endParaRPr>
+          </a:p>
+          <a:p>
+            <a:pPr>
+              <a:spcBef>
+                <a:spcPts val="300"/>
+              </a:spcBef>
+              <a:spcAft>
+                <a:spcPts val="300"/>
+              </a:spcAft>
+              <a:defRPr/>
+            </a:pPr>
+            <a:endParaRPr lang="fr-FR" sz="1600" noProof="1">
+              <a:solidFill>
+                <a:schemeClr val="tx1"/>
+              </a:solidFill>
+            </a:endParaRPr>
+          </a:p>
+          <a:p>
+            <a:pPr>
+              <a:spcBef>
+                <a:spcPts val="300"/>
+              </a:spcBef>
+              <a:spcAft>
+                <a:spcPts val="300"/>
+              </a:spcAft>
+              <a:defRPr/>
+            </a:pPr>
+            <a:endParaRPr lang="fr-FR" sz="1600" noProof="1">
+              <a:solidFill>
+                <a:schemeClr val="tx1"/>
+              </a:solidFill>
+            </a:endParaRPr>
+          </a:p>
+          <a:p>
+            <a:pPr>
+              <a:spcBef>
+                <a:spcPts val="300"/>
+              </a:spcBef>
+              <a:spcAft>
+                <a:spcPts val="300"/>
+              </a:spcAft>
+              <a:defRPr/>
+            </a:pPr>
+            <a:endParaRPr lang="fr-FR" sz="1600" noProof="1">
+              <a:solidFill>
+                <a:schemeClr val="tx1"/>
+              </a:solidFill>
+            </a:endParaRPr>
+          </a:p>
+          <a:p>
+            <a:pPr>
+              <a:spcBef>
+                <a:spcPts val="300"/>
+              </a:spcBef>
+              <a:spcAft>
+                <a:spcPts val="300"/>
+              </a:spcAft>
+              <a:defRPr/>
+            </a:pPr>
+            <a:endParaRPr lang="fr-FR" sz="1600" b="1" noProof="1">
+              <a:solidFill>
+                <a:schemeClr val="tx1"/>
+              </a:solidFill>
+            </a:endParaRPr>
+          </a:p>
+          <a:p>
+            <a:pPr>
+              <a:spcBef>
+                <a:spcPts val="300"/>
+              </a:spcBef>
+              <a:spcAft>
+                <a:spcPts val="300"/>
+              </a:spcAft>
+              <a:defRPr/>
+            </a:pPr>
+            <a:endParaRPr lang="fr-FR" sz="1600" b="1" noProof="1">
+              <a:solidFill>
+                <a:schemeClr val="tx1"/>
+              </a:solidFill>
+            </a:endParaRPr>
+          </a:p>
+          <a:p>
+            <a:pPr>
+              <a:spcBef>
+                <a:spcPts val="300"/>
+              </a:spcBef>
+              <a:spcAft>
+                <a:spcPts val="300"/>
+              </a:spcAft>
+              <a:defRPr/>
+            </a:pPr>
+            <a:endParaRPr lang="fr-FR" sz="1600" b="1" noProof="1">
+              <a:solidFill>
+                <a:schemeClr val="tx1"/>
+              </a:solidFill>
+            </a:endParaRPr>
+          </a:p>
+          <a:p>
+            <a:pPr>
+              <a:spcBef>
+                <a:spcPts val="300"/>
+              </a:spcBef>
+              <a:spcAft>
+                <a:spcPts val="300"/>
+              </a:spcAft>
+              <a:defRPr/>
+            </a:pPr>
+            <a:endParaRPr lang="fr-FR" sz="1600" b="1" noProof="1">
+              <a:solidFill>
+                <a:schemeClr val="tx1"/>
+              </a:solidFill>
+            </a:endParaRPr>
+          </a:p>
+          <a:p>
+            <a:pPr>
+              <a:spcBef>
+                <a:spcPts val="300"/>
+              </a:spcBef>
+              <a:spcAft>
+                <a:spcPts val="300"/>
+              </a:spcAft>
+              <a:defRPr/>
+            </a:pPr>
+            <a:endParaRPr lang="fr-FR" sz="1600" b="1" noProof="1">
+              <a:solidFill>
+                <a:schemeClr val="tx1"/>
+              </a:solidFill>
+            </a:endParaRPr>
+          </a:p>
+          <a:p>
+            <a:pPr>
+              <a:spcBef>
+                <a:spcPts val="300"/>
+              </a:spcBef>
+              <a:spcAft>
+                <a:spcPts val="300"/>
+              </a:spcAft>
+              <a:defRPr/>
+            </a:pPr>
+            <a:endParaRPr lang="fr-FR" sz="1600" b="1" noProof="1">
+              <a:solidFill>
+                <a:schemeClr val="tx1"/>
+              </a:solidFill>
+            </a:endParaRPr>
+          </a:p>
+          <a:p>
+            <a:pPr>
+              <a:spcBef>
+                <a:spcPts val="300"/>
+              </a:spcBef>
+              <a:spcAft>
+                <a:spcPts val="300"/>
+              </a:spcAft>
+              <a:defRPr/>
+            </a:pPr>
+            <a:endParaRPr lang="fr-FR" sz="1600" noProof="1">
+              <a:solidFill>
+                <a:schemeClr val="tx1"/>
+              </a:solidFill>
+            </a:endParaRPr>
+          </a:p>
+          <a:p>
+            <a:pPr>
+              <a:spcBef>
+                <a:spcPts val="300"/>
+              </a:spcBef>
+              <a:spcAft>
+                <a:spcPts val="300"/>
+              </a:spcAft>
+              <a:defRPr/>
+            </a:pPr>
+            <a:endParaRPr lang="fr-FR" sz="100" noProof="1">
+              <a:solidFill>
+                <a:schemeClr val="tx1"/>
+              </a:solidFill>
+            </a:endParaRPr>
+          </a:p>
+        </p:txBody>
+      </p:sp>
+      <p:sp>
+        <p:nvSpPr>
+          <p:cNvPr id="10" name="Text Box 10">
+            <a:extLst>
+              <a:ext uri="{FF2B5EF4-FFF2-40B4-BE49-F238E27FC236}">
+                <a16:creationId xmlns:a16="http://schemas.microsoft.com/office/drawing/2014/main" id="{759A0114-09E8-A308-2B7A-8056F4AF4617}"/>
+              </a:ext>
+            </a:extLst>
+          </p:cNvPr>
+          <p:cNvSpPr txBox="1">
+            <a:spLocks noChangeArrowheads="1"/>
+          </p:cNvSpPr>
+          <p:nvPr/>
+        </p:nvSpPr>
+        <p:spPr bwMode="auto">
+          <a:xfrm>
+            <a:off x="6112223" y="5576882"/>
+            <a:ext cx="3960000" cy="4788000"/>
+          </a:xfrm>
+          <a:prstGeom prst="rect">
+            <a:avLst/>
+          </a:prstGeom>
+          <a:ln>
+            <a:headEnd/>
+            <a:tailEnd/>
+          </a:ln>
+        </p:spPr>
+        <p:style>
+          <a:lnRef idx="0">
+            <a:schemeClr val="accent3"/>
+          </a:lnRef>
+          <a:fillRef idx="3">
+            <a:schemeClr val="accent3"/>
+          </a:fillRef>
+          <a:effectRef idx="3">
+            <a:schemeClr val="accent3"/>
+          </a:effectRef>
+          <a:fontRef idx="minor">
+            <a:schemeClr val="lt1"/>
+          </a:fontRef>
+        </p:style>
+        <p:txBody>
+          <a:bodyPr wrap="square">
+            <a:spAutoFit/>
+          </a:bodyPr>
+          <a:lstStyle/>
+          <a:p>
+            <a:pPr>
+              <a:spcBef>
+                <a:spcPts val="300"/>
+              </a:spcBef>
+              <a:spcAft>
+                <a:spcPts val="300"/>
+              </a:spcAft>
+              <a:defRPr/>
+            </a:pPr>
+            <a:r>
+              <a:rPr lang="fr-FR" sz="1600" b="1" noProof="1">
+                <a:solidFill>
+                  <a:schemeClr val="tx1"/>
+                </a:solidFill>
+              </a:rPr>
+              <a:t>Entry: ChargeItem </a:t>
+            </a:r>
+            <a:r>
+              <a:rPr lang="fr-FR" sz="1600" noProof="1">
+                <a:solidFill>
+                  <a:schemeClr val="tx1"/>
+                </a:solidFill>
+              </a:rPr>
+              <a:t>(1..*)</a:t>
+            </a:r>
+          </a:p>
+          <a:p>
+            <a:pPr>
+              <a:spcBef>
+                <a:spcPts val="300"/>
+              </a:spcBef>
+              <a:spcAft>
+                <a:spcPts val="300"/>
+              </a:spcAft>
+              <a:defRPr/>
+            </a:pPr>
+            <a:endParaRPr lang="fr-FR" sz="1600" noProof="1">
+              <a:solidFill>
+                <a:schemeClr val="tx1"/>
+              </a:solidFill>
+            </a:endParaRPr>
+          </a:p>
+          <a:p>
+            <a:pPr>
+              <a:spcBef>
+                <a:spcPts val="300"/>
+              </a:spcBef>
+              <a:spcAft>
+                <a:spcPts val="300"/>
+              </a:spcAft>
+              <a:defRPr/>
+            </a:pPr>
+            <a:endParaRPr lang="fr-FR" sz="1600" noProof="1">
+              <a:solidFill>
+                <a:schemeClr val="tx1"/>
+              </a:solidFill>
+            </a:endParaRPr>
+          </a:p>
+          <a:p>
+            <a:pPr>
+              <a:spcBef>
+                <a:spcPts val="300"/>
+              </a:spcBef>
+              <a:spcAft>
+                <a:spcPts val="300"/>
+              </a:spcAft>
+              <a:defRPr/>
+            </a:pPr>
+            <a:endParaRPr lang="fr-FR" sz="1600" noProof="1">
+              <a:solidFill>
+                <a:schemeClr val="tx1"/>
+              </a:solidFill>
+            </a:endParaRPr>
+          </a:p>
+          <a:p>
+            <a:pPr>
+              <a:spcBef>
+                <a:spcPts val="300"/>
+              </a:spcBef>
+              <a:spcAft>
+                <a:spcPts val="300"/>
+              </a:spcAft>
+              <a:defRPr/>
+            </a:pPr>
+            <a:endParaRPr lang="fr-FR" sz="1600" noProof="1">
+              <a:solidFill>
+                <a:schemeClr val="tx1"/>
+              </a:solidFill>
+            </a:endParaRPr>
+          </a:p>
+          <a:p>
+            <a:pPr>
+              <a:spcBef>
+                <a:spcPts val="300"/>
+              </a:spcBef>
+              <a:spcAft>
+                <a:spcPts val="300"/>
+              </a:spcAft>
+              <a:defRPr/>
+            </a:pPr>
+            <a:endParaRPr lang="fr-FR" sz="1600" noProof="1">
+              <a:solidFill>
+                <a:schemeClr val="tx1"/>
+              </a:solidFill>
+            </a:endParaRPr>
+          </a:p>
+          <a:p>
+            <a:pPr>
+              <a:spcBef>
+                <a:spcPts val="300"/>
+              </a:spcBef>
+              <a:spcAft>
+                <a:spcPts val="300"/>
+              </a:spcAft>
+              <a:defRPr/>
+            </a:pPr>
+            <a:endParaRPr lang="fr-FR" sz="1600" noProof="1">
+              <a:solidFill>
+                <a:schemeClr val="tx1"/>
+              </a:solidFill>
+            </a:endParaRPr>
+          </a:p>
+          <a:p>
+            <a:pPr>
+              <a:spcBef>
+                <a:spcPts val="300"/>
+              </a:spcBef>
+              <a:spcAft>
+                <a:spcPts val="300"/>
+              </a:spcAft>
+              <a:defRPr/>
+            </a:pPr>
+            <a:endParaRPr lang="fr-FR" sz="1600" noProof="1">
+              <a:solidFill>
+                <a:schemeClr val="tx1"/>
+              </a:solidFill>
+            </a:endParaRPr>
+          </a:p>
+          <a:p>
+            <a:pPr>
+              <a:spcBef>
+                <a:spcPts val="300"/>
+              </a:spcBef>
+              <a:spcAft>
+                <a:spcPts val="300"/>
+              </a:spcAft>
+              <a:defRPr/>
+            </a:pPr>
+            <a:endParaRPr lang="fr-FR" sz="1600" noProof="1">
+              <a:solidFill>
+                <a:schemeClr val="tx1"/>
+              </a:solidFill>
+            </a:endParaRPr>
+          </a:p>
+          <a:p>
+            <a:pPr>
+              <a:spcBef>
+                <a:spcPts val="300"/>
+              </a:spcBef>
+              <a:spcAft>
+                <a:spcPts val="300"/>
+              </a:spcAft>
+              <a:defRPr/>
+            </a:pPr>
+            <a:endParaRPr lang="fr-FR" sz="1600" noProof="1">
+              <a:solidFill>
+                <a:schemeClr val="tx1"/>
+              </a:solidFill>
+            </a:endParaRPr>
+          </a:p>
+          <a:p>
+            <a:pPr>
+              <a:spcBef>
+                <a:spcPts val="300"/>
+              </a:spcBef>
+              <a:spcAft>
+                <a:spcPts val="300"/>
+              </a:spcAft>
+              <a:defRPr/>
+            </a:pPr>
+            <a:endParaRPr lang="fr-FR" sz="1600" noProof="1">
+              <a:solidFill>
+                <a:schemeClr val="tx1"/>
+              </a:solidFill>
+            </a:endParaRPr>
+          </a:p>
+          <a:p>
+            <a:pPr>
+              <a:spcBef>
+                <a:spcPts val="300"/>
+              </a:spcBef>
+              <a:spcAft>
+                <a:spcPts val="300"/>
+              </a:spcAft>
+              <a:defRPr/>
+            </a:pPr>
+            <a:endParaRPr lang="fr-FR" sz="300" noProof="1">
+              <a:solidFill>
+                <a:schemeClr val="tx1"/>
+              </a:solidFill>
+            </a:endParaRPr>
+          </a:p>
+        </p:txBody>
+      </p:sp>
+      <p:sp>
+        <p:nvSpPr>
+          <p:cNvPr id="12" name="Text Box 10">
+            <a:extLst>
+              <a:ext uri="{FF2B5EF4-FFF2-40B4-BE49-F238E27FC236}">
+                <a16:creationId xmlns:a16="http://schemas.microsoft.com/office/drawing/2014/main" id="{96CB95AC-7238-76B8-45E9-98939F60F56F}"/>
+              </a:ext>
+            </a:extLst>
+          </p:cNvPr>
+          <p:cNvSpPr txBox="1">
+            <a:spLocks noChangeArrowheads="1"/>
+          </p:cNvSpPr>
+          <p:nvPr/>
+        </p:nvSpPr>
+        <p:spPr bwMode="auto">
+          <a:xfrm>
+            <a:off x="6251522" y="5973475"/>
+            <a:ext cx="3623024" cy="430887"/>
+          </a:xfrm>
+          <a:prstGeom prst="rect">
+            <a:avLst/>
+          </a:prstGeom>
+          <a:ln>
+            <a:headEnd/>
+            <a:tailEnd/>
+          </a:ln>
+        </p:spPr>
+        <p:style>
+          <a:lnRef idx="0">
+            <a:schemeClr val="accent3"/>
+          </a:lnRef>
+          <a:fillRef idx="3">
+            <a:schemeClr val="accent3"/>
+          </a:fillRef>
+          <a:effectRef idx="3">
+            <a:schemeClr val="accent3"/>
+          </a:effectRef>
+          <a:fontRef idx="minor">
+            <a:schemeClr val="lt1"/>
+          </a:fontRef>
+        </p:style>
+        <p:txBody>
+          <a:bodyPr wrap="square">
+            <a:spAutoFit/>
+          </a:bodyPr>
+          <a:lstStyle/>
+          <a:p>
+            <a:pPr>
+              <a:spcBef>
+                <a:spcPts val="300"/>
+              </a:spcBef>
+              <a:spcAft>
+                <a:spcPts val="300"/>
+              </a:spcAft>
+              <a:defRPr/>
+            </a:pPr>
+            <a:r>
+              <a:rPr lang="fr-FR" sz="1600" noProof="1">
+                <a:solidFill>
+                  <a:schemeClr val="tx1"/>
+                </a:solidFill>
+              </a:rPr>
+              <a:t>Patient (contained)</a:t>
+            </a:r>
+          </a:p>
+          <a:p>
+            <a:pPr>
+              <a:spcBef>
+                <a:spcPts val="300"/>
+              </a:spcBef>
+              <a:spcAft>
+                <a:spcPts val="300"/>
+              </a:spcAft>
+              <a:defRPr/>
+            </a:pPr>
+            <a:endParaRPr lang="fr-FR" sz="100" noProof="1">
+              <a:solidFill>
+                <a:schemeClr val="tx1"/>
+              </a:solidFill>
+            </a:endParaRPr>
+          </a:p>
+        </p:txBody>
+      </p:sp>
+      <p:sp>
+        <p:nvSpPr>
+          <p:cNvPr id="13" name="Text Box 10">
+            <a:extLst>
+              <a:ext uri="{FF2B5EF4-FFF2-40B4-BE49-F238E27FC236}">
+                <a16:creationId xmlns:a16="http://schemas.microsoft.com/office/drawing/2014/main" id="{3519E5AE-2259-FA8D-1EB4-D06DA1F9CBD2}"/>
+              </a:ext>
+            </a:extLst>
+          </p:cNvPr>
+          <p:cNvSpPr txBox="1">
+            <a:spLocks noChangeArrowheads="1"/>
+          </p:cNvSpPr>
+          <p:nvPr/>
+        </p:nvSpPr>
+        <p:spPr bwMode="auto">
+          <a:xfrm>
+            <a:off x="6251522" y="6468190"/>
+            <a:ext cx="3623024" cy="1077218"/>
+          </a:xfrm>
+          <a:prstGeom prst="rect">
+            <a:avLst/>
+          </a:prstGeom>
+          <a:ln>
+            <a:headEnd/>
+            <a:tailEnd/>
+          </a:ln>
+        </p:spPr>
+        <p:style>
+          <a:lnRef idx="0">
+            <a:schemeClr val="accent1"/>
+          </a:lnRef>
+          <a:fillRef idx="3">
+            <a:schemeClr val="accent1"/>
+          </a:fillRef>
+          <a:effectRef idx="3">
+            <a:schemeClr val="accent1"/>
+          </a:effectRef>
+          <a:fontRef idx="minor">
+            <a:schemeClr val="lt1"/>
+          </a:fontRef>
+        </p:style>
+        <p:txBody>
+          <a:bodyPr wrap="square">
+            <a:spAutoFit/>
+          </a:bodyPr>
+          <a:lstStyle/>
+          <a:p>
+            <a:pPr>
+              <a:spcBef>
+                <a:spcPts val="300"/>
+              </a:spcBef>
+              <a:spcAft>
+                <a:spcPts val="300"/>
+              </a:spcAft>
+              <a:defRPr/>
+            </a:pPr>
+            <a:r>
+              <a:rPr lang="fr-FR" sz="1600" noProof="1">
+                <a:solidFill>
+                  <a:schemeClr val="tx1"/>
+                </a:solidFill>
+              </a:rPr>
+              <a:t>Encounter (contained)</a:t>
+            </a:r>
+          </a:p>
+          <a:p>
+            <a:pPr>
+              <a:spcBef>
+                <a:spcPts val="300"/>
+              </a:spcBef>
+              <a:spcAft>
+                <a:spcPts val="300"/>
+              </a:spcAft>
+              <a:defRPr/>
+            </a:pPr>
+            <a:endParaRPr lang="fr-FR" sz="1600" noProof="1">
+              <a:solidFill>
+                <a:schemeClr val="tx1"/>
+              </a:solidFill>
+            </a:endParaRPr>
+          </a:p>
+          <a:p>
+            <a:pPr>
+              <a:spcBef>
+                <a:spcPts val="300"/>
+              </a:spcBef>
+              <a:spcAft>
+                <a:spcPts val="300"/>
+              </a:spcAft>
+              <a:defRPr/>
+            </a:pPr>
+            <a:endParaRPr lang="fr-FR" sz="1600" noProof="1">
+              <a:solidFill>
+                <a:schemeClr val="tx1"/>
+              </a:solidFill>
+            </a:endParaRPr>
+          </a:p>
+          <a:p>
+            <a:pPr>
+              <a:spcBef>
+                <a:spcPts val="300"/>
+              </a:spcBef>
+              <a:spcAft>
+                <a:spcPts val="300"/>
+              </a:spcAft>
+              <a:defRPr/>
+            </a:pPr>
+            <a:endParaRPr lang="fr-FR" sz="100" noProof="1">
+              <a:solidFill>
+                <a:schemeClr val="tx1"/>
+              </a:solidFill>
+            </a:endParaRPr>
+          </a:p>
+        </p:txBody>
+      </p:sp>
+      <p:sp>
+        <p:nvSpPr>
+          <p:cNvPr id="14" name="Text Box 10">
+            <a:extLst>
+              <a:ext uri="{FF2B5EF4-FFF2-40B4-BE49-F238E27FC236}">
+                <a16:creationId xmlns:a16="http://schemas.microsoft.com/office/drawing/2014/main" id="{94F7ED2D-5F4B-A068-E088-9DA56F316C8E}"/>
+              </a:ext>
+            </a:extLst>
+          </p:cNvPr>
+          <p:cNvSpPr txBox="1">
+            <a:spLocks noChangeArrowheads="1"/>
+          </p:cNvSpPr>
+          <p:nvPr/>
+        </p:nvSpPr>
+        <p:spPr bwMode="auto">
+          <a:xfrm>
+            <a:off x="6251522" y="7606244"/>
+            <a:ext cx="3623024" cy="800219"/>
+          </a:xfrm>
+          <a:prstGeom prst="rect">
+            <a:avLst/>
+          </a:prstGeom>
+          <a:ln>
+            <a:headEnd/>
+            <a:tailEnd/>
+          </a:ln>
+        </p:spPr>
+        <p:style>
+          <a:lnRef idx="0">
+            <a:schemeClr val="accent2"/>
+          </a:lnRef>
+          <a:fillRef idx="3">
+            <a:schemeClr val="accent2"/>
+          </a:fillRef>
+          <a:effectRef idx="3">
+            <a:schemeClr val="accent2"/>
+          </a:effectRef>
+          <a:fontRef idx="minor">
+            <a:schemeClr val="lt1"/>
+          </a:fontRef>
+        </p:style>
+        <p:txBody>
+          <a:bodyPr wrap="square">
+            <a:spAutoFit/>
+          </a:bodyPr>
+          <a:lstStyle/>
+          <a:p>
+            <a:pPr>
+              <a:spcBef>
+                <a:spcPts val="300"/>
+              </a:spcBef>
+              <a:spcAft>
+                <a:spcPts val="300"/>
+              </a:spcAft>
+              <a:defRPr/>
+            </a:pPr>
+            <a:r>
+              <a:rPr lang="fr-FR" sz="1600" noProof="1">
+                <a:solidFill>
+                  <a:schemeClr val="tx1"/>
+                </a:solidFill>
+              </a:rPr>
+              <a:t>Condition (contained)</a:t>
+            </a:r>
+          </a:p>
+          <a:p>
+            <a:pPr>
+              <a:spcBef>
+                <a:spcPts val="300"/>
+              </a:spcBef>
+              <a:spcAft>
+                <a:spcPts val="300"/>
+              </a:spcAft>
+              <a:defRPr/>
+            </a:pPr>
+            <a:endParaRPr lang="fr-FR" sz="1600" noProof="1">
+              <a:solidFill>
+                <a:schemeClr val="tx1"/>
+              </a:solidFill>
+            </a:endParaRPr>
+          </a:p>
+          <a:p>
+            <a:pPr>
+              <a:spcBef>
+                <a:spcPts val="300"/>
+              </a:spcBef>
+              <a:spcAft>
+                <a:spcPts val="300"/>
+              </a:spcAft>
+              <a:defRPr/>
+            </a:pPr>
+            <a:endParaRPr lang="fr-FR" sz="400" noProof="1">
+              <a:solidFill>
+                <a:schemeClr val="tx1"/>
+              </a:solidFill>
+            </a:endParaRPr>
+          </a:p>
+        </p:txBody>
+      </p:sp>
+      <p:sp>
+        <p:nvSpPr>
+          <p:cNvPr id="15" name="Textfeld 16">
+            <a:extLst>
+              <a:ext uri="{FF2B5EF4-FFF2-40B4-BE49-F238E27FC236}">
+                <a16:creationId xmlns:a16="http://schemas.microsoft.com/office/drawing/2014/main" id="{4ACCCE85-D033-6A19-C377-6944876B1238}"/>
+              </a:ext>
+            </a:extLst>
+          </p:cNvPr>
+          <p:cNvSpPr txBox="1"/>
+          <p:nvPr/>
+        </p:nvSpPr>
+        <p:spPr>
+          <a:xfrm>
+            <a:off x="6354196" y="8504467"/>
+            <a:ext cx="3046087" cy="1169551"/>
+          </a:xfrm>
+          <a:prstGeom prst="rect">
+            <a:avLst/>
+          </a:prstGeom>
+          <a:noFill/>
+        </p:spPr>
+        <p:txBody>
+          <a:bodyPr wrap="square" rtlCol="0">
+            <a:spAutoFit/>
+          </a:bodyPr>
+          <a:lstStyle/>
+          <a:p>
+            <a:pPr marL="285750" indent="-285750">
+              <a:buFont typeface="Arial"/>
+              <a:buChar char="•"/>
+              <a:defRPr/>
+            </a:pPr>
+            <a:r>
+              <a:rPr lang="de-DE" sz="1400" i="1" dirty="0">
+                <a:solidFill>
+                  <a:srgbClr val="000000"/>
+                </a:solidFill>
+                <a:latin typeface="Times New Roman" pitchFamily="-107" charset="0"/>
+              </a:rPr>
+              <a:t>subject (Reference Patient 1..1)</a:t>
+            </a:r>
+          </a:p>
+          <a:p>
+            <a:pPr marL="285750" indent="-285750">
+              <a:buFont typeface="Arial"/>
+              <a:buChar char="•"/>
+              <a:defRPr/>
+            </a:pPr>
+            <a:r>
+              <a:rPr lang="de-DE" sz="1400" i="1" dirty="0">
+                <a:solidFill>
+                  <a:srgbClr val="000000"/>
+                </a:solidFill>
+                <a:latin typeface="Times New Roman" pitchFamily="-107" charset="0"/>
+              </a:rPr>
+              <a:t>context (Reference Encounter 1..1)</a:t>
+            </a:r>
+          </a:p>
+          <a:p>
+            <a:pPr marL="285750" indent="-285750">
+              <a:buFont typeface="Arial"/>
+              <a:buChar char="•"/>
+              <a:defRPr/>
+            </a:pPr>
+            <a:r>
+              <a:rPr lang="de-DE" sz="1400" i="1" dirty="0">
+                <a:solidFill>
+                  <a:srgbClr val="000000"/>
+                </a:solidFill>
+                <a:latin typeface="Times New Roman" pitchFamily="-107" charset="0"/>
+              </a:rPr>
+              <a:t>New: TPValue</a:t>
+            </a:r>
+          </a:p>
+          <a:p>
+            <a:pPr marL="285750" indent="-285750">
+              <a:buFont typeface="Arial"/>
+              <a:buChar char="•"/>
+              <a:defRPr/>
+            </a:pPr>
+            <a:r>
+              <a:rPr lang="de-DE" sz="1400" i="1" dirty="0">
+                <a:solidFill>
+                  <a:srgbClr val="000000"/>
+                </a:solidFill>
+                <a:latin typeface="Times New Roman" pitchFamily="-107" charset="0"/>
+              </a:rPr>
+              <a:t>New: PatientContactID</a:t>
+            </a:r>
+          </a:p>
+          <a:p>
+            <a:pPr>
+              <a:defRPr/>
+            </a:pPr>
+            <a:endParaRPr lang="de-DE" sz="1400" i="1" dirty="0">
+              <a:solidFill>
+                <a:srgbClr val="000000"/>
+              </a:solidFill>
+              <a:latin typeface="Times New Roman" pitchFamily="-107" charset="0"/>
+            </a:endParaRPr>
+          </a:p>
+        </p:txBody>
+      </p:sp>
+      <p:sp>
+        <p:nvSpPr>
+          <p:cNvPr id="16" name="Textfeld 16">
+            <a:extLst>
+              <a:ext uri="{FF2B5EF4-FFF2-40B4-BE49-F238E27FC236}">
+                <a16:creationId xmlns:a16="http://schemas.microsoft.com/office/drawing/2014/main" id="{E60CA670-3CB5-2774-84DF-89F5FCDE163C}"/>
+              </a:ext>
+            </a:extLst>
+          </p:cNvPr>
+          <p:cNvSpPr txBox="1"/>
+          <p:nvPr/>
+        </p:nvSpPr>
+        <p:spPr>
+          <a:xfrm>
+            <a:off x="6026642" y="3422184"/>
+            <a:ext cx="4526138" cy="523220"/>
+          </a:xfrm>
+          <a:prstGeom prst="rect">
+            <a:avLst/>
+          </a:prstGeom>
+          <a:noFill/>
+        </p:spPr>
+        <p:txBody>
+          <a:bodyPr wrap="square" rtlCol="0">
+            <a:spAutoFit/>
+          </a:bodyPr>
+          <a:lstStyle/>
+          <a:p>
+            <a:pPr marL="285750" indent="-285750">
+              <a:buFont typeface="Arial"/>
+              <a:buChar char="•"/>
+              <a:defRPr/>
+            </a:pPr>
+            <a:r>
+              <a:rPr lang="de-DE" sz="1400" i="1" dirty="0">
+                <a:solidFill>
+                  <a:srgbClr val="000000"/>
+                </a:solidFill>
+                <a:latin typeface="Times New Roman" pitchFamily="-107" charset="0"/>
+              </a:rPr>
+              <a:t>Parameters like </a:t>
+            </a:r>
+            <a:r>
+              <a:rPr lang="en-US" sz="1400" i="1" dirty="0">
+                <a:solidFill>
+                  <a:srgbClr val="000000"/>
+                </a:solidFill>
+                <a:latin typeface="Times New Roman" pitchFamily="-107" charset="0"/>
+              </a:rPr>
+              <a:t>timestamp</a:t>
+            </a:r>
+          </a:p>
+          <a:p>
+            <a:pPr marL="285750" indent="-285750">
+              <a:buFont typeface="Arial"/>
+              <a:buChar char="•"/>
+              <a:defRPr/>
+            </a:pPr>
+            <a:endParaRPr lang="de-DE" sz="1400" i="1" dirty="0">
+              <a:solidFill>
+                <a:srgbClr val="000000"/>
+              </a:solidFill>
+              <a:latin typeface="Times New Roman" pitchFamily="-107" charset="0"/>
+            </a:endParaRPr>
+          </a:p>
+        </p:txBody>
+      </p:sp>
+      <p:sp>
+        <p:nvSpPr>
+          <p:cNvPr id="17" name="Textfeld 16">
+            <a:extLst>
+              <a:ext uri="{FF2B5EF4-FFF2-40B4-BE49-F238E27FC236}">
+                <a16:creationId xmlns:a16="http://schemas.microsoft.com/office/drawing/2014/main" id="{9EAD8663-E53F-7D4B-9493-83FB29F913F2}"/>
+              </a:ext>
+            </a:extLst>
+          </p:cNvPr>
+          <p:cNvSpPr txBox="1"/>
+          <p:nvPr/>
+        </p:nvSpPr>
+        <p:spPr>
+          <a:xfrm>
+            <a:off x="6539992" y="6758766"/>
+            <a:ext cx="3240111" cy="523220"/>
+          </a:xfrm>
+          <a:prstGeom prst="rect">
+            <a:avLst/>
+          </a:prstGeom>
+          <a:noFill/>
+        </p:spPr>
+        <p:txBody>
+          <a:bodyPr wrap="square" rtlCol="0">
+            <a:spAutoFit/>
+          </a:bodyPr>
+          <a:lstStyle/>
+          <a:p>
+            <a:pPr marL="285750" indent="-285750">
+              <a:buFont typeface="Arial"/>
+              <a:buChar char="•"/>
+              <a:defRPr/>
+            </a:pPr>
+            <a:r>
+              <a:rPr lang="de-DE" sz="1400" i="1" dirty="0">
+                <a:solidFill>
+                  <a:srgbClr val="000000"/>
+                </a:solidFill>
+                <a:latin typeface="Times New Roman" pitchFamily="-107" charset="0"/>
+              </a:rPr>
+              <a:t>subject (Reference Patient 1..1)</a:t>
+            </a:r>
+          </a:p>
+          <a:p>
+            <a:pPr marL="285750" indent="-285750">
+              <a:buFont typeface="Arial"/>
+              <a:buChar char="•"/>
+              <a:defRPr/>
+            </a:pPr>
+            <a:r>
+              <a:rPr lang="de-DE" sz="1400" i="1" dirty="0">
+                <a:solidFill>
+                  <a:srgbClr val="000000"/>
+                </a:solidFill>
+                <a:latin typeface="Times New Roman" pitchFamily="-107" charset="0"/>
+              </a:rPr>
+              <a:t>diagnosis (Reference Condition 0..1)</a:t>
+            </a:r>
+          </a:p>
+        </p:txBody>
+      </p:sp>
+      <p:sp>
+        <p:nvSpPr>
+          <p:cNvPr id="18" name="Textfeld 16">
+            <a:extLst>
+              <a:ext uri="{FF2B5EF4-FFF2-40B4-BE49-F238E27FC236}">
+                <a16:creationId xmlns:a16="http://schemas.microsoft.com/office/drawing/2014/main" id="{29C15653-9E03-F1F9-2782-63F4F8B7BE70}"/>
+              </a:ext>
+            </a:extLst>
+          </p:cNvPr>
+          <p:cNvSpPr txBox="1"/>
+          <p:nvPr/>
+        </p:nvSpPr>
+        <p:spPr>
+          <a:xfrm>
+            <a:off x="6537753" y="7857343"/>
+            <a:ext cx="3240111" cy="523220"/>
+          </a:xfrm>
+          <a:prstGeom prst="rect">
+            <a:avLst/>
+          </a:prstGeom>
+          <a:noFill/>
+        </p:spPr>
+        <p:txBody>
+          <a:bodyPr wrap="square" rtlCol="0">
+            <a:spAutoFit/>
+          </a:bodyPr>
+          <a:lstStyle/>
+          <a:p>
+            <a:pPr marL="285750" indent="-285750">
+              <a:buFont typeface="Arial"/>
+              <a:buChar char="•"/>
+              <a:defRPr/>
+            </a:pPr>
+            <a:r>
+              <a:rPr lang="de-DE" sz="1400" i="1" dirty="0">
+                <a:solidFill>
+                  <a:srgbClr val="000000"/>
+                </a:solidFill>
+                <a:latin typeface="Times New Roman" pitchFamily="-107" charset="0"/>
+              </a:rPr>
+              <a:t>subject (Reference Patient 1..1)</a:t>
+            </a:r>
+          </a:p>
+          <a:p>
+            <a:pPr marL="285750" indent="-285750">
+              <a:buFont typeface="Arial"/>
+              <a:buChar char="•"/>
+              <a:defRPr/>
+            </a:pPr>
+            <a:r>
+              <a:rPr lang="de-DE" sz="1400" i="1" dirty="0">
+                <a:solidFill>
+                  <a:srgbClr val="000000"/>
+                </a:solidFill>
+                <a:latin typeface="Times New Roman" pitchFamily="-107" charset="0"/>
+              </a:rPr>
+              <a:t>OnsetDateTime, Laterality</a:t>
+            </a:r>
           </a:p>
         </p:txBody>
       </p:sp>
